--- a/Project_ppt_dbteam3_final.pptx
+++ b/Project_ppt_dbteam3_final.pptx
@@ -5,40 +5,40 @@
     <p:sldMasterId id="2147483648" r:id="rId1"/>
   </p:sldMasterIdLst>
   <p:notesMasterIdLst>
-    <p:notesMasterId r:id="rId5"/>
+    <p:notesMasterId r:id="rId33"/>
   </p:notesMasterIdLst>
   <p:sldIdLst>
-    <p:sldId id="256" r:id="rId3"/>
-    <p:sldId id="267" r:id="rId4"/>
-    <p:sldId id="329" r:id="rId6"/>
-    <p:sldId id="330" r:id="rId7"/>
-    <p:sldId id="268" r:id="rId8"/>
-    <p:sldId id="269" r:id="rId9"/>
-    <p:sldId id="293" r:id="rId10"/>
-    <p:sldId id="294" r:id="rId11"/>
-    <p:sldId id="270" r:id="rId12"/>
-    <p:sldId id="332" r:id="rId13"/>
-    <p:sldId id="264" r:id="rId14"/>
-    <p:sldId id="275" r:id="rId15"/>
-    <p:sldId id="276" r:id="rId16"/>
-    <p:sldId id="287" r:id="rId17"/>
-    <p:sldId id="331" r:id="rId18"/>
-    <p:sldId id="288" r:id="rId19"/>
-    <p:sldId id="277" r:id="rId20"/>
-    <p:sldId id="278" r:id="rId21"/>
-    <p:sldId id="279" r:id="rId22"/>
-    <p:sldId id="289" r:id="rId23"/>
-    <p:sldId id="290" r:id="rId24"/>
-    <p:sldId id="291" r:id="rId25"/>
-    <p:sldId id="280" r:id="rId26"/>
-    <p:sldId id="292" r:id="rId27"/>
-    <p:sldId id="281" r:id="rId28"/>
-    <p:sldId id="282" r:id="rId29"/>
-    <p:sldId id="283" r:id="rId30"/>
-    <p:sldId id="295" r:id="rId31"/>
-    <p:sldId id="284" r:id="rId32"/>
-    <p:sldId id="285" r:id="rId33"/>
-    <p:sldId id="286" r:id="rId34"/>
+    <p:sldId id="256" r:id="rId2"/>
+    <p:sldId id="267" r:id="rId3"/>
+    <p:sldId id="329" r:id="rId4"/>
+    <p:sldId id="330" r:id="rId5"/>
+    <p:sldId id="268" r:id="rId6"/>
+    <p:sldId id="269" r:id="rId7"/>
+    <p:sldId id="293" r:id="rId8"/>
+    <p:sldId id="294" r:id="rId9"/>
+    <p:sldId id="270" r:id="rId10"/>
+    <p:sldId id="332" r:id="rId11"/>
+    <p:sldId id="264" r:id="rId12"/>
+    <p:sldId id="275" r:id="rId13"/>
+    <p:sldId id="276" r:id="rId14"/>
+    <p:sldId id="287" r:id="rId15"/>
+    <p:sldId id="331" r:id="rId16"/>
+    <p:sldId id="288" r:id="rId17"/>
+    <p:sldId id="277" r:id="rId18"/>
+    <p:sldId id="278" r:id="rId19"/>
+    <p:sldId id="279" r:id="rId20"/>
+    <p:sldId id="289" r:id="rId21"/>
+    <p:sldId id="290" r:id="rId22"/>
+    <p:sldId id="291" r:id="rId23"/>
+    <p:sldId id="280" r:id="rId24"/>
+    <p:sldId id="292" r:id="rId25"/>
+    <p:sldId id="281" r:id="rId26"/>
+    <p:sldId id="282" r:id="rId27"/>
+    <p:sldId id="283" r:id="rId28"/>
+    <p:sldId id="295" r:id="rId29"/>
+    <p:sldId id="284" r:id="rId30"/>
+    <p:sldId id="285" r:id="rId31"/>
+    <p:sldId id="286" r:id="rId32"/>
   </p:sldIdLst>
   <p:sldSz cx="12192000" cy="6858000"/>
   <p:notesSz cx="6858000" cy="9144000"/>
@@ -271,6 +271,11 @@
       </a:defRPr>
     </a:lvl9pPr>
   </p:defaultTextStyle>
+  <p:extLst>
+    <p:ext uri="{EFAFB233-063F-42B5-8137-9DF3F51BA10A}">
+      <p15:sldGuideLst xmlns:p15="http://schemas.microsoft.com/office/powerpoint/2012/main"/>
+    </p:ext>
+  </p:extLst>
 </p:presentation>
 </file>
 
@@ -356,6 +361,7 @@
           <a:p>
             <a:fld id="{3EFD42F7-718C-4B98-AAEC-167E6DDD60A7}" type="datetimeFigureOut">
               <a:rPr lang="en-US" smtClean="0"/>
+              <a:t>5/2/2024</a:t>
             </a:fld>
             <a:endParaRPr lang="en-US"/>
           </a:p>
@@ -422,7 +428,6 @@
               <a:rPr lang="en-US"/>
               <a:t>Click to edit Master text styles</a:t>
             </a:r>
-            <a:endParaRPr lang="en-US"/>
           </a:p>
           <a:p>
             <a:pPr lvl="1"/>
@@ -430,7 +435,6 @@
               <a:rPr lang="en-US"/>
               <a:t>Second level</a:t>
             </a:r>
-            <a:endParaRPr lang="en-US"/>
           </a:p>
           <a:p>
             <a:pPr lvl="2"/>
@@ -438,7 +442,6 @@
               <a:rPr lang="en-US"/>
               <a:t>Third level</a:t>
             </a:r>
-            <a:endParaRPr lang="en-US"/>
           </a:p>
           <a:p>
             <a:pPr lvl="3"/>
@@ -446,7 +449,6 @@
               <a:rPr lang="en-US"/>
               <a:t>Fourth level</a:t>
             </a:r>
-            <a:endParaRPr lang="en-US"/>
           </a:p>
           <a:p>
             <a:pPr lvl="4"/>
@@ -454,7 +456,6 @@
               <a:rPr lang="en-US"/>
               <a:t>Fifth level</a:t>
             </a:r>
-            <a:endParaRPr lang="en-US"/>
           </a:p>
         </p:txBody>
       </p:sp>
@@ -518,6 +519,7 @@
           <a:p>
             <a:fld id="{21B2AA4F-B828-4D7C-AFD3-893933DAFCB4}" type="slidenum">
               <a:rPr lang="en-US" smtClean="0"/>
+              <a:t>‹#›</a:t>
             </a:fld>
             <a:endParaRPr lang="en-US"/>
           </a:p>
@@ -622,7 +624,7 @@
 </file>
 
 <file path=ppt/notesSlides/notesSlide1.xml><?xml version="1.0" encoding="utf-8"?>
-<p:notes xmlns:a="http://schemas.openxmlformats.org/drawingml/2006/main" xmlns:r="http://schemas.openxmlformats.org/officeDocument/2006/relationships" xmlns:p="http://schemas.openxmlformats.org/presentationml/2006/main" showMasterPhAnim="0" showMasterSp="0">
+<p:notes xmlns:a="http://schemas.openxmlformats.org/drawingml/2006/main" xmlns:r="http://schemas.openxmlformats.org/officeDocument/2006/relationships" xmlns:p="http://schemas.openxmlformats.org/presentationml/2006/main" showMasterSp="0" showMasterPhAnim="0">
   <p:cSld>
     <p:spTree>
       <p:nvGrpSpPr>
@@ -713,6 +715,7 @@
               </a:spcAft>
               <a:buNone/>
             </a:pPr>
+            <a:endParaRPr/>
           </a:p>
         </p:txBody>
       </p:sp>
@@ -725,7 +728,7 @@
 </file>
 
 <file path=ppt/notesSlides/notesSlide10.xml><?xml version="1.0" encoding="utf-8"?>
-<p:notes xmlns:a="http://schemas.openxmlformats.org/drawingml/2006/main" xmlns:r="http://schemas.openxmlformats.org/officeDocument/2006/relationships" xmlns:p="http://schemas.openxmlformats.org/presentationml/2006/main" showMasterPhAnim="0" showMasterSp="0">
+<p:notes xmlns:a="http://schemas.openxmlformats.org/drawingml/2006/main" xmlns:r="http://schemas.openxmlformats.org/officeDocument/2006/relationships" xmlns:p="http://schemas.openxmlformats.org/presentationml/2006/main" showMasterSp="0" showMasterPhAnim="0">
   <p:cSld>
     <p:spTree>
       <p:nvGrpSpPr>
@@ -816,6 +819,7 @@
               </a:spcAft>
               <a:buNone/>
             </a:pPr>
+            <a:endParaRPr/>
           </a:p>
         </p:txBody>
       </p:sp>
@@ -828,7 +832,7 @@
 </file>
 
 <file path=ppt/notesSlides/notesSlide11.xml><?xml version="1.0" encoding="utf-8"?>
-<p:notes xmlns:a="http://schemas.openxmlformats.org/drawingml/2006/main" xmlns:r="http://schemas.openxmlformats.org/officeDocument/2006/relationships" xmlns:p="http://schemas.openxmlformats.org/presentationml/2006/main" showMasterPhAnim="0" showMasterSp="0">
+<p:notes xmlns:a="http://schemas.openxmlformats.org/drawingml/2006/main" xmlns:r="http://schemas.openxmlformats.org/officeDocument/2006/relationships" xmlns:p="http://schemas.openxmlformats.org/presentationml/2006/main" showMasterSp="0" showMasterPhAnim="0">
   <p:cSld>
     <p:spTree>
       <p:nvGrpSpPr>
@@ -919,6 +923,7 @@
               </a:spcAft>
               <a:buNone/>
             </a:pPr>
+            <a:endParaRPr/>
           </a:p>
         </p:txBody>
       </p:sp>
@@ -931,7 +936,7 @@
 </file>
 
 <file path=ppt/notesSlides/notesSlide12.xml><?xml version="1.0" encoding="utf-8"?>
-<p:notes xmlns:a="http://schemas.openxmlformats.org/drawingml/2006/main" xmlns:r="http://schemas.openxmlformats.org/officeDocument/2006/relationships" xmlns:p="http://schemas.openxmlformats.org/presentationml/2006/main" showMasterPhAnim="0" showMasterSp="0">
+<p:notes xmlns:a="http://schemas.openxmlformats.org/drawingml/2006/main" xmlns:r="http://schemas.openxmlformats.org/officeDocument/2006/relationships" xmlns:p="http://schemas.openxmlformats.org/presentationml/2006/main" showMasterSp="0" showMasterPhAnim="0">
   <p:cSld>
     <p:spTree>
       <p:nvGrpSpPr>
@@ -1022,6 +1027,7 @@
               </a:spcAft>
               <a:buNone/>
             </a:pPr>
+            <a:endParaRPr/>
           </a:p>
         </p:txBody>
       </p:sp>
@@ -1034,7 +1040,7 @@
 </file>
 
 <file path=ppt/notesSlides/notesSlide13.xml><?xml version="1.0" encoding="utf-8"?>
-<p:notes xmlns:a="http://schemas.openxmlformats.org/drawingml/2006/main" xmlns:r="http://schemas.openxmlformats.org/officeDocument/2006/relationships" xmlns:p="http://schemas.openxmlformats.org/presentationml/2006/main" showMasterPhAnim="0" showMasterSp="0">
+<p:notes xmlns:a="http://schemas.openxmlformats.org/drawingml/2006/main" xmlns:r="http://schemas.openxmlformats.org/officeDocument/2006/relationships" xmlns:p="http://schemas.openxmlformats.org/presentationml/2006/main" showMasterSp="0" showMasterPhAnim="0">
   <p:cSld>
     <p:spTree>
       <p:nvGrpSpPr>
@@ -1125,6 +1131,7 @@
               </a:spcAft>
               <a:buNone/>
             </a:pPr>
+            <a:endParaRPr/>
           </a:p>
         </p:txBody>
       </p:sp>
@@ -1137,7 +1144,7 @@
 </file>
 
 <file path=ppt/notesSlides/notesSlide2.xml><?xml version="1.0" encoding="utf-8"?>
-<p:notes xmlns:a="http://schemas.openxmlformats.org/drawingml/2006/main" xmlns:r="http://schemas.openxmlformats.org/officeDocument/2006/relationships" xmlns:p="http://schemas.openxmlformats.org/presentationml/2006/main" showMasterPhAnim="0" showMasterSp="0">
+<p:notes xmlns:a="http://schemas.openxmlformats.org/drawingml/2006/main" xmlns:r="http://schemas.openxmlformats.org/officeDocument/2006/relationships" xmlns:p="http://schemas.openxmlformats.org/presentationml/2006/main" showMasterSp="0" showMasterPhAnim="0">
   <p:cSld>
     <p:spTree>
       <p:nvGrpSpPr>
@@ -1228,6 +1235,7 @@
               </a:spcAft>
               <a:buNone/>
             </a:pPr>
+            <a:endParaRPr/>
           </a:p>
         </p:txBody>
       </p:sp>
@@ -1240,7 +1248,7 @@
 </file>
 
 <file path=ppt/notesSlides/notesSlide3.xml><?xml version="1.0" encoding="utf-8"?>
-<p:notes xmlns:a="http://schemas.openxmlformats.org/drawingml/2006/main" xmlns:r="http://schemas.openxmlformats.org/officeDocument/2006/relationships" xmlns:p="http://schemas.openxmlformats.org/presentationml/2006/main" showMasterPhAnim="0" showMasterSp="0">
+<p:notes xmlns:a="http://schemas.openxmlformats.org/drawingml/2006/main" xmlns:r="http://schemas.openxmlformats.org/officeDocument/2006/relationships" xmlns:p="http://schemas.openxmlformats.org/presentationml/2006/main" showMasterSp="0" showMasterPhAnim="0">
   <p:cSld>
     <p:spTree>
       <p:nvGrpSpPr>
@@ -1331,6 +1339,7 @@
               </a:spcAft>
               <a:buNone/>
             </a:pPr>
+            <a:endParaRPr/>
           </a:p>
         </p:txBody>
       </p:sp>
@@ -1343,7 +1352,7 @@
 </file>
 
 <file path=ppt/notesSlides/notesSlide4.xml><?xml version="1.0" encoding="utf-8"?>
-<p:notes xmlns:a="http://schemas.openxmlformats.org/drawingml/2006/main" xmlns:r="http://schemas.openxmlformats.org/officeDocument/2006/relationships" xmlns:p="http://schemas.openxmlformats.org/presentationml/2006/main" showMasterPhAnim="0" showMasterSp="0">
+<p:notes xmlns:a="http://schemas.openxmlformats.org/drawingml/2006/main" xmlns:r="http://schemas.openxmlformats.org/officeDocument/2006/relationships" xmlns:p="http://schemas.openxmlformats.org/presentationml/2006/main" showMasterSp="0" showMasterPhAnim="0">
   <p:cSld>
     <p:spTree>
       <p:nvGrpSpPr>
@@ -1434,6 +1443,7 @@
               </a:spcAft>
               <a:buNone/>
             </a:pPr>
+            <a:endParaRPr/>
           </a:p>
         </p:txBody>
       </p:sp>
@@ -1446,7 +1456,7 @@
 </file>
 
 <file path=ppt/notesSlides/notesSlide5.xml><?xml version="1.0" encoding="utf-8"?>
-<p:notes xmlns:a="http://schemas.openxmlformats.org/drawingml/2006/main" xmlns:r="http://schemas.openxmlformats.org/officeDocument/2006/relationships" xmlns:p="http://schemas.openxmlformats.org/presentationml/2006/main" showMasterPhAnim="0" showMasterSp="0">
+<p:notes xmlns:a="http://schemas.openxmlformats.org/drawingml/2006/main" xmlns:r="http://schemas.openxmlformats.org/officeDocument/2006/relationships" xmlns:p="http://schemas.openxmlformats.org/presentationml/2006/main" showMasterSp="0" showMasterPhAnim="0">
   <p:cSld>
     <p:spTree>
       <p:nvGrpSpPr>
@@ -1537,6 +1547,7 @@
               </a:spcAft>
               <a:buNone/>
             </a:pPr>
+            <a:endParaRPr/>
           </a:p>
         </p:txBody>
       </p:sp>
@@ -1549,7 +1560,7 @@
 </file>
 
 <file path=ppt/notesSlides/notesSlide6.xml><?xml version="1.0" encoding="utf-8"?>
-<p:notes xmlns:a="http://schemas.openxmlformats.org/drawingml/2006/main" xmlns:r="http://schemas.openxmlformats.org/officeDocument/2006/relationships" xmlns:p="http://schemas.openxmlformats.org/presentationml/2006/main" showMasterPhAnim="0" showMasterSp="0">
+<p:notes xmlns:a="http://schemas.openxmlformats.org/drawingml/2006/main" xmlns:r="http://schemas.openxmlformats.org/officeDocument/2006/relationships" xmlns:p="http://schemas.openxmlformats.org/presentationml/2006/main" showMasterSp="0" showMasterPhAnim="0">
   <p:cSld>
     <p:spTree>
       <p:nvGrpSpPr>
@@ -1640,6 +1651,7 @@
               </a:spcAft>
               <a:buNone/>
             </a:pPr>
+            <a:endParaRPr/>
           </a:p>
         </p:txBody>
       </p:sp>
@@ -1652,7 +1664,7 @@
 </file>
 
 <file path=ppt/notesSlides/notesSlide7.xml><?xml version="1.0" encoding="utf-8"?>
-<p:notes xmlns:a="http://schemas.openxmlformats.org/drawingml/2006/main" xmlns:r="http://schemas.openxmlformats.org/officeDocument/2006/relationships" xmlns:p="http://schemas.openxmlformats.org/presentationml/2006/main" showMasterPhAnim="0" showMasterSp="0">
+<p:notes xmlns:a="http://schemas.openxmlformats.org/drawingml/2006/main" xmlns:r="http://schemas.openxmlformats.org/officeDocument/2006/relationships" xmlns:p="http://schemas.openxmlformats.org/presentationml/2006/main" showMasterSp="0" showMasterPhAnim="0">
   <p:cSld>
     <p:spTree>
       <p:nvGrpSpPr>
@@ -1743,6 +1755,7 @@
               </a:spcAft>
               <a:buNone/>
             </a:pPr>
+            <a:endParaRPr/>
           </a:p>
         </p:txBody>
       </p:sp>
@@ -1755,7 +1768,7 @@
 </file>
 
 <file path=ppt/notesSlides/notesSlide8.xml><?xml version="1.0" encoding="utf-8"?>
-<p:notes xmlns:a="http://schemas.openxmlformats.org/drawingml/2006/main" xmlns:r="http://schemas.openxmlformats.org/officeDocument/2006/relationships" xmlns:p="http://schemas.openxmlformats.org/presentationml/2006/main" showMasterPhAnim="0" showMasterSp="0">
+<p:notes xmlns:a="http://schemas.openxmlformats.org/drawingml/2006/main" xmlns:r="http://schemas.openxmlformats.org/officeDocument/2006/relationships" xmlns:p="http://schemas.openxmlformats.org/presentationml/2006/main" showMasterSp="0" showMasterPhAnim="0">
   <p:cSld>
     <p:spTree>
       <p:nvGrpSpPr>
@@ -1846,6 +1859,7 @@
               </a:spcAft>
               <a:buNone/>
             </a:pPr>
+            <a:endParaRPr/>
           </a:p>
         </p:txBody>
       </p:sp>
@@ -1858,7 +1872,7 @@
 </file>
 
 <file path=ppt/notesSlides/notesSlide9.xml><?xml version="1.0" encoding="utf-8"?>
-<p:notes xmlns:a="http://schemas.openxmlformats.org/drawingml/2006/main" xmlns:r="http://schemas.openxmlformats.org/officeDocument/2006/relationships" xmlns:p="http://schemas.openxmlformats.org/presentationml/2006/main" showMasterPhAnim="0" showMasterSp="0">
+<p:notes xmlns:a="http://schemas.openxmlformats.org/drawingml/2006/main" xmlns:r="http://schemas.openxmlformats.org/officeDocument/2006/relationships" xmlns:p="http://schemas.openxmlformats.org/presentationml/2006/main" showMasterSp="0" showMasterPhAnim="0">
   <p:cSld>
     <p:spTree>
       <p:nvGrpSpPr>
@@ -1949,6 +1963,7 @@
               </a:spcAft>
               <a:buNone/>
             </a:pPr>
+            <a:endParaRPr/>
           </a:p>
         </p:txBody>
       </p:sp>
@@ -1961,7 +1976,7 @@
 </file>
 
 <file path=ppt/slideLayouts/slideLayout1.xml><?xml version="1.0" encoding="utf-8"?>
-<p:sldLayout xmlns:a="http://schemas.openxmlformats.org/drawingml/2006/main" xmlns:r="http://schemas.openxmlformats.org/officeDocument/2006/relationships" xmlns:p="http://schemas.openxmlformats.org/presentationml/2006/main" type="title" matchingName="Title slide">
+<p:sldLayout xmlns:a="http://schemas.openxmlformats.org/drawingml/2006/main" xmlns:r="http://schemas.openxmlformats.org/officeDocument/2006/relationships" xmlns:p="http://schemas.openxmlformats.org/presentationml/2006/main" matchingName="Title slide" type="title">
   <p:cSld name="Title slide">
     <p:spTree>
       <p:nvGrpSpPr>
@@ -2241,7 +2256,6 @@
               <a:rPr lang="en-US"/>
               <a:t>Click to edit Master title style</a:t>
             </a:r>
-            <a:endParaRPr lang="en-US"/>
           </a:p>
         </p:txBody>
       </p:sp>
@@ -2401,7 +2415,6 @@
               <a:rPr lang="en-US"/>
               <a:t>Click to edit Master subtitle style</a:t>
             </a:r>
-            <a:endParaRPr lang="en-US"/>
           </a:p>
         </p:txBody>
       </p:sp>
@@ -2469,6 +2482,7 @@
           <a:p>
             <a:fld id="{56747C7C-8533-4CF4-8E2D-5B926D5B55C1}" type="slidenum">
               <a:rPr lang="en-US" smtClean="0"/>
+              <a:t>‹#›</a:t>
             </a:fld>
             <a:endParaRPr lang="en-US"/>
           </a:p>
@@ -2760,7 +2774,6 @@
               <a:rPr lang="en-US"/>
               <a:t>Click to edit Master text styles</a:t>
             </a:r>
-            <a:endParaRPr lang="en-US"/>
           </a:p>
         </p:txBody>
       </p:sp>
@@ -2828,6 +2841,7 @@
           <a:p>
             <a:fld id="{56747C7C-8533-4CF4-8E2D-5B926D5B55C1}" type="slidenum">
               <a:rPr lang="en-US" smtClean="0"/>
+              <a:t>‹#›</a:t>
             </a:fld>
             <a:endParaRPr lang="en-US"/>
           </a:p>
@@ -2842,7 +2856,7 @@
 </file>
 
 <file path=ppt/slideLayouts/slideLayout11.xml><?xml version="1.0" encoding="utf-8"?>
-<p:sldLayout xmlns:a="http://schemas.openxmlformats.org/drawingml/2006/main" xmlns:r="http://schemas.openxmlformats.org/officeDocument/2006/relationships" xmlns:p="http://schemas.openxmlformats.org/presentationml/2006/main" type="blank" matchingName="Blank">
+<p:sldLayout xmlns:a="http://schemas.openxmlformats.org/drawingml/2006/main" xmlns:r="http://schemas.openxmlformats.org/officeDocument/2006/relationships" xmlns:p="http://schemas.openxmlformats.org/presentationml/2006/main" matchingName="Blank" type="blank">
   <p:cSld name="Blank">
     <p:spTree>
       <p:nvGrpSpPr>
@@ -2922,6 +2936,7 @@
           <a:p>
             <a:fld id="{56747C7C-8533-4CF4-8E2D-5B926D5B55C1}" type="slidenum">
               <a:rPr lang="en-US" smtClean="0"/>
+              <a:t>‹#›</a:t>
             </a:fld>
             <a:endParaRPr lang="en-US"/>
           </a:p>
@@ -2936,7 +2951,7 @@
 </file>
 
 <file path=ppt/slideLayouts/slideLayout2.xml><?xml version="1.0" encoding="utf-8"?>
-<p:sldLayout xmlns:a="http://schemas.openxmlformats.org/drawingml/2006/main" xmlns:r="http://schemas.openxmlformats.org/officeDocument/2006/relationships" xmlns:p="http://schemas.openxmlformats.org/presentationml/2006/main" type="secHead" matchingName="Section header">
+<p:sldLayout xmlns:a="http://schemas.openxmlformats.org/drawingml/2006/main" xmlns:r="http://schemas.openxmlformats.org/officeDocument/2006/relationships" xmlns:p="http://schemas.openxmlformats.org/presentationml/2006/main" matchingName="Section header" type="secHead">
   <p:cSld name="Section header">
     <p:spTree>
       <p:nvGrpSpPr>
@@ -3081,7 +3096,6 @@
               <a:rPr lang="en-US"/>
               <a:t>Click to edit Master title style</a:t>
             </a:r>
-            <a:endParaRPr lang="en-US"/>
           </a:p>
         </p:txBody>
       </p:sp>
@@ -3149,6 +3163,7 @@
           <a:p>
             <a:fld id="{00000000-1234-1234-1234-123412341234}" type="slidenum">
               <a:rPr lang="en-GB" smtClean="0"/>
+              <a:t>‹#›</a:t>
             </a:fld>
             <a:endParaRPr lang="en-GB"/>
           </a:p>
@@ -3163,7 +3178,7 @@
 </file>
 
 <file path=ppt/slideLayouts/slideLayout3.xml><?xml version="1.0" encoding="utf-8"?>
-<p:sldLayout xmlns:a="http://schemas.openxmlformats.org/drawingml/2006/main" xmlns:r="http://schemas.openxmlformats.org/officeDocument/2006/relationships" xmlns:p="http://schemas.openxmlformats.org/presentationml/2006/main" type="tx" matchingName="Title and body">
+<p:sldLayout xmlns:a="http://schemas.openxmlformats.org/drawingml/2006/main" xmlns:r="http://schemas.openxmlformats.org/officeDocument/2006/relationships" xmlns:p="http://schemas.openxmlformats.org/presentationml/2006/main" matchingName="Title and body" type="tx">
   <p:cSld name="Title and body">
     <p:spTree>
       <p:nvGrpSpPr>
@@ -3308,7 +3323,6 @@
               <a:rPr lang="en-US"/>
               <a:t>Click to edit Master title style</a:t>
             </a:r>
-            <a:endParaRPr lang="en-US"/>
           </a:p>
         </p:txBody>
       </p:sp>
@@ -3442,7 +3456,6 @@
               <a:rPr lang="en-US"/>
               <a:t>Click to edit Master text styles</a:t>
             </a:r>
-            <a:endParaRPr lang="en-US"/>
           </a:p>
         </p:txBody>
       </p:sp>
@@ -3510,6 +3523,7 @@
           <a:p>
             <a:fld id="{00000000-1234-1234-1234-123412341234}" type="slidenum">
               <a:rPr lang="en-GB" smtClean="0"/>
+              <a:t>‹#›</a:t>
             </a:fld>
             <a:endParaRPr lang="en-GB"/>
           </a:p>
@@ -3524,7 +3538,7 @@
 </file>
 
 <file path=ppt/slideLayouts/slideLayout4.xml><?xml version="1.0" encoding="utf-8"?>
-<p:sldLayout xmlns:a="http://schemas.openxmlformats.org/drawingml/2006/main" xmlns:r="http://schemas.openxmlformats.org/officeDocument/2006/relationships" xmlns:p="http://schemas.openxmlformats.org/presentationml/2006/main" type="twoColTx" matchingName="Title and two columns">
+<p:sldLayout xmlns:a="http://schemas.openxmlformats.org/drawingml/2006/main" xmlns:r="http://schemas.openxmlformats.org/officeDocument/2006/relationships" xmlns:p="http://schemas.openxmlformats.org/presentationml/2006/main" matchingName="Title and two columns" type="twoColTx">
   <p:cSld name="Title and two columns">
     <p:spTree>
       <p:nvGrpSpPr>
@@ -3669,7 +3683,6 @@
               <a:rPr lang="en-US"/>
               <a:t>Click to edit Master title style</a:t>
             </a:r>
-            <a:endParaRPr lang="en-US"/>
           </a:p>
         </p:txBody>
       </p:sp>
@@ -3803,7 +3816,6 @@
               <a:rPr lang="en-US"/>
               <a:t>Click to edit Master text styles</a:t>
             </a:r>
-            <a:endParaRPr lang="en-US"/>
           </a:p>
         </p:txBody>
       </p:sp>
@@ -3937,7 +3949,6 @@
               <a:rPr lang="en-US"/>
               <a:t>Click to edit Master text styles</a:t>
             </a:r>
-            <a:endParaRPr lang="en-US"/>
           </a:p>
         </p:txBody>
       </p:sp>
@@ -4005,6 +4016,7 @@
           <a:p>
             <a:fld id="{00000000-1234-1234-1234-123412341234}" type="slidenum">
               <a:rPr lang="en-GB" smtClean="0"/>
+              <a:t>‹#›</a:t>
             </a:fld>
             <a:endParaRPr lang="en-GB"/>
           </a:p>
@@ -4019,7 +4031,7 @@
 </file>
 
 <file path=ppt/slideLayouts/slideLayout5.xml><?xml version="1.0" encoding="utf-8"?>
-<p:sldLayout xmlns:a="http://schemas.openxmlformats.org/drawingml/2006/main" xmlns:r="http://schemas.openxmlformats.org/officeDocument/2006/relationships" xmlns:p="http://schemas.openxmlformats.org/presentationml/2006/main" type="titleOnly" matchingName="Title only">
+<p:sldLayout xmlns:a="http://schemas.openxmlformats.org/drawingml/2006/main" xmlns:r="http://schemas.openxmlformats.org/officeDocument/2006/relationships" xmlns:p="http://schemas.openxmlformats.org/presentationml/2006/main" matchingName="Title only" type="titleOnly">
   <p:cSld name="Title only">
     <p:spTree>
       <p:nvGrpSpPr>
@@ -4164,7 +4176,6 @@
               <a:rPr lang="en-US"/>
               <a:t>Click to edit Master title style</a:t>
             </a:r>
-            <a:endParaRPr lang="en-US"/>
           </a:p>
         </p:txBody>
       </p:sp>
@@ -4232,6 +4243,7 @@
           <a:p>
             <a:fld id="{56747C7C-8533-4CF4-8E2D-5B926D5B55C1}" type="slidenum">
               <a:rPr lang="en-US" smtClean="0"/>
+              <a:t>‹#›</a:t>
             </a:fld>
             <a:endParaRPr lang="en-US"/>
           </a:p>
@@ -4391,7 +4403,6 @@
               <a:rPr lang="en-US"/>
               <a:t>Click to edit Master title style</a:t>
             </a:r>
-            <a:endParaRPr lang="en-US"/>
           </a:p>
         </p:txBody>
       </p:sp>
@@ -4525,7 +4536,6 @@
               <a:rPr lang="en-US"/>
               <a:t>Click to edit Master text styles</a:t>
             </a:r>
-            <a:endParaRPr lang="en-US"/>
           </a:p>
         </p:txBody>
       </p:sp>
@@ -4593,6 +4603,7 @@
           <a:p>
             <a:fld id="{56747C7C-8533-4CF4-8E2D-5B926D5B55C1}" type="slidenum">
               <a:rPr lang="en-US" smtClean="0"/>
+              <a:t>‹#›</a:t>
             </a:fld>
             <a:endParaRPr lang="en-US"/>
           </a:p>
@@ -4823,7 +4834,6 @@
               <a:rPr lang="en-US"/>
               <a:t>Click to edit Master title style</a:t>
             </a:r>
-            <a:endParaRPr lang="en-US"/>
           </a:p>
         </p:txBody>
       </p:sp>
@@ -4927,6 +4937,7 @@
           <a:p>
             <a:fld id="{56747C7C-8533-4CF4-8E2D-5B926D5B55C1}" type="slidenum">
               <a:rPr lang="en-US" smtClean="0"/>
+              <a:t>‹#›</a:t>
             </a:fld>
             <a:endParaRPr lang="en-US"/>
           </a:p>
@@ -5152,7 +5163,6 @@
               <a:rPr lang="en-US"/>
               <a:t>Click to edit Master title style</a:t>
             </a:r>
-            <a:endParaRPr lang="en-US"/>
           </a:p>
         </p:txBody>
       </p:sp>
@@ -5375,7 +5385,6 @@
               <a:rPr lang="en-US"/>
               <a:t>Click to edit Master subtitle style</a:t>
             </a:r>
-            <a:endParaRPr lang="en-US"/>
           </a:p>
         </p:txBody>
       </p:sp>
@@ -5572,7 +5581,6 @@
               <a:rPr lang="en-US"/>
               <a:t>Click to edit Master text styles</a:t>
             </a:r>
-            <a:endParaRPr lang="en-US"/>
           </a:p>
         </p:txBody>
       </p:sp>
@@ -5676,6 +5684,7 @@
           <a:p>
             <a:fld id="{56747C7C-8533-4CF4-8E2D-5B926D5B55C1}" type="slidenum">
               <a:rPr lang="en-US" smtClean="0"/>
+              <a:t>‹#›</a:t>
             </a:fld>
             <a:endParaRPr lang="en-US"/>
           </a:p>
@@ -5763,7 +5772,6 @@
               <a:rPr lang="en-US"/>
               <a:t>Click to edit Master text styles</a:t>
             </a:r>
-            <a:endParaRPr lang="en-US"/>
           </a:p>
         </p:txBody>
       </p:sp>
@@ -5831,6 +5839,7 @@
           <a:p>
             <a:fld id="{56747C7C-8533-4CF4-8E2D-5B926D5B55C1}" type="slidenum">
               <a:rPr lang="en-US" smtClean="0"/>
+              <a:t>‹#›</a:t>
             </a:fld>
             <a:endParaRPr lang="en-US"/>
           </a:p>
@@ -6105,7 +6114,9 @@
               </a:defRPr>
             </a:lvl9pPr>
           </a:lstStyle>
-          <a:p/>
+          <a:p>
+            <a:endParaRPr/>
+          </a:p>
         </p:txBody>
       </p:sp>
       <p:sp>
@@ -6371,7 +6382,9 @@
               </a:defRPr>
             </a:lvl9pPr>
           </a:lstStyle>
-          <a:p/>
+          <a:p>
+            <a:endParaRPr/>
+          </a:p>
         </p:txBody>
       </p:sp>
       <p:sp>
@@ -6514,6 +6527,7 @@
           <a:p>
             <a:fld id="{56747C7C-8533-4CF4-8E2D-5B926D5B55C1}" type="slidenum">
               <a:rPr lang="en-US" smtClean="0"/>
+              <a:t>‹#›</a:t>
             </a:fld>
             <a:endParaRPr lang="en-US"/>
           </a:p>
@@ -7713,11 +7727,6 @@
               </a:rPr>
               <a:t>- Deepthi, Adria, Lokesh</a:t>
             </a:r>
-            <a:endParaRPr lang="en-US" sz="2500" dirty="0">
-              <a:solidFill>
-                <a:schemeClr val="tx1"/>
-              </a:solidFill>
-            </a:endParaRPr>
           </a:p>
         </p:txBody>
       </p:sp>
@@ -7877,7 +7886,7 @@
           <p:nvPr/>
         </p:nvPicPr>
         <p:blipFill rotWithShape="1">
-          <a:blip r:embed="rId1"/>
+          <a:blip r:embed="rId3"/>
           <a:srcRect t="58162" r="57527" b="23361"/>
           <a:stretch>
             <a:fillRect/>
@@ -7902,7 +7911,7 @@
           <p:nvPr/>
         </p:nvPicPr>
         <p:blipFill rotWithShape="1">
-          <a:blip r:embed="rId2"/>
+          <a:blip r:embed="rId4"/>
           <a:srcRect t="3944" r="16251" b="76883"/>
           <a:stretch>
             <a:fillRect/>
@@ -7927,7 +7936,7 @@
           <p:nvPr/>
         </p:nvPicPr>
         <p:blipFill rotWithShape="1">
-          <a:blip r:embed="rId2"/>
+          <a:blip r:embed="rId4"/>
           <a:srcRect t="26630" r="16251" b="53188"/>
           <a:stretch>
             <a:fillRect/>
@@ -8010,7 +8019,7 @@
           <p:nvPr/>
         </p:nvPicPr>
         <p:blipFill rotWithShape="1">
-          <a:blip r:embed="rId1"/>
+          <a:blip r:embed="rId3"/>
           <a:srcRect t="72250" r="24376"/>
           <a:stretch>
             <a:fillRect/>
@@ -8035,7 +8044,7 @@
           <p:nvPr/>
         </p:nvPicPr>
         <p:blipFill rotWithShape="1">
-          <a:blip r:embed="rId2"/>
+          <a:blip r:embed="rId4"/>
           <a:srcRect t="52371" r="11807" b="28266"/>
           <a:stretch>
             <a:fillRect/>
@@ -8097,7 +8106,6 @@
               <a:rPr lang="en-US" dirty="0"/>
               <a:t>Triggers</a:t>
             </a:r>
-            <a:endParaRPr lang="en-US" dirty="0"/>
           </a:p>
         </p:txBody>
       </p:sp>
@@ -8152,7 +8160,7 @@
           <p:nvPr/>
         </p:nvPicPr>
         <p:blipFill rotWithShape="1">
-          <a:blip r:embed="rId1"/>
+          <a:blip r:embed="rId2"/>
           <a:srcRect t="71169"/>
           <a:stretch>
             <a:fillRect/>
@@ -8177,7 +8185,7 @@
           <p:nvPr/>
         </p:nvPicPr>
         <p:blipFill rotWithShape="1">
-          <a:blip r:embed="rId1"/>
+          <a:blip r:embed="rId2"/>
           <a:srcRect l="-837" t="3130" r="837" b="47412"/>
           <a:stretch>
             <a:fillRect/>
@@ -8239,7 +8247,6 @@
               <a:rPr lang="en-US" dirty="0"/>
               <a:t>Triggers</a:t>
             </a:r>
-            <a:endParaRPr lang="en-US" dirty="0"/>
           </a:p>
         </p:txBody>
       </p:sp>
@@ -8252,7 +8259,7 @@
           <p:nvPr/>
         </p:nvPicPr>
         <p:blipFill rotWithShape="1">
-          <a:blip r:embed="rId1"/>
+          <a:blip r:embed="rId2"/>
           <a:srcRect t="59079"/>
           <a:stretch>
             <a:fillRect/>
@@ -8277,7 +8284,7 @@
           <p:nvPr/>
         </p:nvPicPr>
         <p:blipFill rotWithShape="1">
-          <a:blip r:embed="rId1"/>
+          <a:blip r:embed="rId2"/>
           <a:srcRect l="16" t="3220" r="21802" b="74360"/>
           <a:stretch>
             <a:fillRect/>
@@ -8339,7 +8346,6 @@
               <a:rPr lang="en-US" dirty="0"/>
               <a:t>Views</a:t>
             </a:r>
-            <a:endParaRPr lang="en-US" dirty="0"/>
           </a:p>
         </p:txBody>
       </p:sp>
@@ -8374,13 +8380,6 @@
               </a:rPr>
               <a:t>Patient info</a:t>
             </a:r>
-            <a:endParaRPr lang="en-US" sz="2200" dirty="0">
-              <a:solidFill>
-                <a:schemeClr val="tx1"/>
-              </a:solidFill>
-              <a:latin typeface="Calibri" panose="020F0502020204030204" pitchFamily="34" charset="0"/>
-              <a:cs typeface="Calibri" panose="020F0502020204030204" pitchFamily="34" charset="0"/>
-            </a:endParaRPr>
           </a:p>
           <a:p>
             <a:pPr lvl="1" algn="just"/>
@@ -8394,13 +8393,6 @@
               </a:rPr>
               <a:t>Name, ID, doctor (specialty), room assignment, nurse </a:t>
             </a:r>
-            <a:endParaRPr lang="en-US" sz="2265" dirty="0">
-              <a:solidFill>
-                <a:schemeClr val="tx1"/>
-              </a:solidFill>
-              <a:latin typeface="Calibri" panose="020F0502020204030204" pitchFamily="34" charset="0"/>
-              <a:cs typeface="Calibri" panose="020F0502020204030204" pitchFamily="34" charset="0"/>
-            </a:endParaRPr>
           </a:p>
         </p:txBody>
       </p:sp>
@@ -8413,7 +8405,7 @@
           <p:nvPr/>
         </p:nvPicPr>
         <p:blipFill rotWithShape="1">
-          <a:blip r:embed="rId1"/>
+          <a:blip r:embed="rId2"/>
           <a:srcRect r="10786"/>
           <a:stretch>
             <a:fillRect/>
@@ -8475,7 +8467,6 @@
               <a:rPr lang="en-US" dirty="0"/>
               <a:t>Views</a:t>
             </a:r>
-            <a:endParaRPr lang="en-US" dirty="0"/>
           </a:p>
         </p:txBody>
       </p:sp>
@@ -8510,13 +8501,6 @@
               </a:rPr>
               <a:t>Doctor info</a:t>
             </a:r>
-            <a:endParaRPr lang="en-US" sz="2200" dirty="0">
-              <a:solidFill>
-                <a:schemeClr val="tx1"/>
-              </a:solidFill>
-              <a:latin typeface="Calibri" panose="020F0502020204030204" pitchFamily="34" charset="0"/>
-              <a:cs typeface="Calibri" panose="020F0502020204030204" pitchFamily="34" charset="0"/>
-            </a:endParaRPr>
           </a:p>
           <a:p>
             <a:pPr lvl="1" algn="just"/>
@@ -8530,13 +8514,6 @@
               </a:rPr>
               <a:t>Name, ID, specialty, assigned patients</a:t>
             </a:r>
-            <a:endParaRPr lang="en-US" sz="2265" dirty="0">
-              <a:solidFill>
-                <a:schemeClr val="tx1"/>
-              </a:solidFill>
-              <a:latin typeface="Calibri" panose="020F0502020204030204" pitchFamily="34" charset="0"/>
-              <a:cs typeface="Calibri" panose="020F0502020204030204" pitchFamily="34" charset="0"/>
-            </a:endParaRPr>
           </a:p>
         </p:txBody>
       </p:sp>
@@ -8549,7 +8526,7 @@
           <p:nvPr/>
         </p:nvPicPr>
         <p:blipFill rotWithShape="1">
-          <a:blip r:embed="rId1"/>
+          <a:blip r:embed="rId2"/>
           <a:srcRect r="7062"/>
           <a:stretch>
             <a:fillRect/>
@@ -8611,7 +8588,6 @@
               <a:rPr lang="en-US" dirty="0"/>
               <a:t>Views</a:t>
             </a:r>
-            <a:endParaRPr lang="en-US" dirty="0"/>
           </a:p>
         </p:txBody>
       </p:sp>
@@ -8624,7 +8600,7 @@
           <p:nvPr/>
         </p:nvPicPr>
         <p:blipFill>
-          <a:blip r:embed="rId1"/>
+          <a:blip r:embed="rId2"/>
           <a:stretch>
             <a:fillRect/>
           </a:stretch>
@@ -8670,13 +8646,6 @@
               </a:rPr>
               <a:t>Nurse info</a:t>
             </a:r>
-            <a:endParaRPr lang="en-US" sz="2200" dirty="0">
-              <a:solidFill>
-                <a:schemeClr val="tx1"/>
-              </a:solidFill>
-              <a:latin typeface="Calibri" panose="020F0502020204030204" pitchFamily="34" charset="0"/>
-              <a:cs typeface="Calibri" panose="020F0502020204030204" pitchFamily="34" charset="0"/>
-            </a:endParaRPr>
           </a:p>
           <a:p>
             <a:pPr lvl="1" algn="l"/>
@@ -8690,13 +8659,6 @@
               </a:rPr>
               <a:t>Name, ID, team, shift, assigned patients, assigned rooms</a:t>
             </a:r>
-            <a:endParaRPr lang="en-US" sz="2265" dirty="0">
-              <a:solidFill>
-                <a:schemeClr val="tx1"/>
-              </a:solidFill>
-              <a:latin typeface="Calibri" panose="020F0502020204030204" pitchFamily="34" charset="0"/>
-              <a:cs typeface="Calibri" panose="020F0502020204030204" pitchFamily="34" charset="0"/>
-            </a:endParaRPr>
           </a:p>
         </p:txBody>
       </p:sp>
@@ -8746,7 +8708,6 @@
               <a:rPr lang="en-US" dirty="0"/>
               <a:t>Stored Procedures-- Billing</a:t>
             </a:r>
-            <a:endParaRPr lang="en-US" dirty="0"/>
           </a:p>
         </p:txBody>
       </p:sp>
@@ -8805,7 +8766,7 @@
           <p:nvPr/>
         </p:nvPicPr>
         <p:blipFill>
-          <a:blip r:embed="rId1"/>
+          <a:blip r:embed="rId2"/>
           <a:stretch>
             <a:fillRect/>
           </a:stretch>
@@ -8829,7 +8790,7 @@
           <p:nvPr/>
         </p:nvPicPr>
         <p:blipFill>
-          <a:blip r:embed="rId2"/>
+          <a:blip r:embed="rId3"/>
           <a:stretch>
             <a:fillRect/>
           </a:stretch>
@@ -8890,7 +8851,6 @@
               <a:rPr lang="en-US" dirty="0"/>
               <a:t>Stored Procedures</a:t>
             </a:r>
-            <a:endParaRPr lang="en-US" dirty="0"/>
           </a:p>
         </p:txBody>
       </p:sp>
@@ -8922,13 +8882,6 @@
               </a:rPr>
               <a:t>Discharge Patient        				        Emergency contacts</a:t>
             </a:r>
-            <a:endParaRPr lang="en-US" sz="2200" dirty="0">
-              <a:solidFill>
-                <a:schemeClr val="tx1"/>
-              </a:solidFill>
-              <a:latin typeface="Calibri" panose="020F0502020204030204" pitchFamily="34" charset="0"/>
-              <a:cs typeface="Calibri" panose="020F0502020204030204" pitchFamily="34" charset="0"/>
-            </a:endParaRPr>
           </a:p>
           <a:p>
             <a:pPr marL="152400" indent="0">
@@ -8953,7 +8906,7 @@
           <p:nvPr/>
         </p:nvPicPr>
         <p:blipFill>
-          <a:blip r:embed="rId1"/>
+          <a:blip r:embed="rId2"/>
           <a:stretch>
             <a:fillRect/>
           </a:stretch>
@@ -8977,7 +8930,7 @@
           <p:nvPr/>
         </p:nvPicPr>
         <p:blipFill>
-          <a:blip r:embed="rId2"/>
+          <a:blip r:embed="rId3"/>
           <a:stretch>
             <a:fillRect/>
           </a:stretch>
@@ -9038,7 +8991,6 @@
               <a:rPr lang="en-US" dirty="0"/>
               <a:t>User Stories</a:t>
             </a:r>
-            <a:endParaRPr lang="en-US" dirty="0"/>
           </a:p>
         </p:txBody>
       </p:sp>
@@ -9089,15 +9041,6 @@
               </a:rPr>
               <a:t>As a patient I need to…</a:t>
             </a:r>
-            <a:endParaRPr lang="en-US" b="0" i="0" dirty="0">
-              <a:solidFill>
-                <a:schemeClr val="tx1"/>
-              </a:solidFill>
-              <a:effectLst/>
-              <a:latin typeface="Calibri" panose="020F0502020204030204" pitchFamily="34" charset="0"/>
-              <a:ea typeface="Calibri" panose="020F0502020204030204" pitchFamily="34" charset="0"/>
-              <a:cs typeface="Calibri" panose="020F0502020204030204" pitchFamily="34" charset="0"/>
-            </a:endParaRPr>
           </a:p>
           <a:p>
             <a:pPr lvl="1" algn="just"/>
@@ -9124,14 +9067,6 @@
               </a:rPr>
               <a:t>the cost of individual bills. </a:t>
             </a:r>
-            <a:endParaRPr lang="en-US" sz="1800" dirty="0">
-              <a:solidFill>
-                <a:schemeClr val="tx1"/>
-              </a:solidFill>
-              <a:latin typeface="Calibri" panose="020F0502020204030204" pitchFamily="34" charset="0"/>
-              <a:ea typeface="Calibri" panose="020F0502020204030204" pitchFamily="34" charset="0"/>
-              <a:cs typeface="Calibri" panose="020F0502020204030204" pitchFamily="34" charset="0"/>
-            </a:endParaRPr>
           </a:p>
           <a:p>
             <a:pPr lvl="1" algn="just"/>
@@ -9146,14 +9081,6 @@
               </a:rPr>
               <a:t>Upload my emergency contact information and identifying information like my SSN and date of birth.</a:t>
             </a:r>
-            <a:endParaRPr lang="en-US" sz="1800" dirty="0">
-              <a:solidFill>
-                <a:schemeClr val="tx1"/>
-              </a:solidFill>
-              <a:latin typeface="Calibri" panose="020F0502020204030204" pitchFamily="34" charset="0"/>
-              <a:ea typeface="Calibri" panose="020F0502020204030204" pitchFamily="34" charset="0"/>
-              <a:cs typeface="Calibri" panose="020F0502020204030204" pitchFamily="34" charset="0"/>
-            </a:endParaRPr>
           </a:p>
           <a:p>
             <a:pPr lvl="1" algn="just"/>
@@ -9168,14 +9095,6 @@
               </a:rPr>
               <a:t>View my room assignment, doctor assignment, and nurse assignment. </a:t>
             </a:r>
-            <a:endParaRPr lang="en-US" sz="1800" dirty="0">
-              <a:solidFill>
-                <a:schemeClr val="tx1"/>
-              </a:solidFill>
-              <a:latin typeface="Calibri" panose="020F0502020204030204" pitchFamily="34" charset="0"/>
-              <a:ea typeface="Calibri" panose="020F0502020204030204" pitchFamily="34" charset="0"/>
-              <a:cs typeface="Calibri" panose="020F0502020204030204" pitchFamily="34" charset="0"/>
-            </a:endParaRPr>
           </a:p>
           <a:p>
             <a:pPr lvl="1" algn="just"/>
@@ -9190,14 +9109,6 @@
               </a:rPr>
               <a:t>Look up information about my care team, like their specialties and degrees.</a:t>
             </a:r>
-            <a:endParaRPr lang="en-US" sz="1800" dirty="0">
-              <a:solidFill>
-                <a:schemeClr val="tx1"/>
-              </a:solidFill>
-              <a:latin typeface="Calibri" panose="020F0502020204030204" pitchFamily="34" charset="0"/>
-              <a:ea typeface="Calibri" panose="020F0502020204030204" pitchFamily="34" charset="0"/>
-              <a:cs typeface="Calibri" panose="020F0502020204030204" pitchFamily="34" charset="0"/>
-            </a:endParaRPr>
           </a:p>
           <a:p>
             <a:pPr algn="just"/>
@@ -9213,15 +9124,6 @@
               </a:rPr>
               <a:t>As a nurse I need to…</a:t>
             </a:r>
-            <a:endParaRPr lang="en-US" b="0" i="0" dirty="0">
-              <a:solidFill>
-                <a:schemeClr val="tx1"/>
-              </a:solidFill>
-              <a:effectLst/>
-              <a:latin typeface="Calibri" panose="020F0502020204030204" pitchFamily="34" charset="0"/>
-              <a:ea typeface="Calibri" panose="020F0502020204030204" pitchFamily="34" charset="0"/>
-              <a:cs typeface="Calibri" panose="020F0502020204030204" pitchFamily="34" charset="0"/>
-            </a:endParaRPr>
           </a:p>
           <a:p>
             <a:pPr lvl="1" algn="just"/>
@@ -9236,6 +9138,46 @@
                 <a:cs typeface="Calibri" panose="020F0502020204030204" pitchFamily="34" charset="0"/>
               </a:rPr>
               <a:t>View my current patients and assigned rooms. </a:t>
+            </a:r>
+          </a:p>
+          <a:p>
+            <a:pPr algn="just"/>
+            <a:r>
+              <a:rPr lang="en-US" dirty="0">
+                <a:solidFill>
+                  <a:schemeClr val="tx1"/>
+                </a:solidFill>
+                <a:latin typeface="Calibri" panose="020F0502020204030204" pitchFamily="34" charset="0"/>
+                <a:ea typeface="Calibri" panose="020F0502020204030204" pitchFamily="34" charset="0"/>
+                <a:cs typeface="Calibri" panose="020F0502020204030204" pitchFamily="34" charset="0"/>
+              </a:rPr>
+              <a:t>As a doctor I need to… </a:t>
+            </a:r>
+          </a:p>
+          <a:p>
+            <a:pPr lvl="1" algn="just"/>
+            <a:r>
+              <a:rPr lang="en-US" sz="1800" b="0" i="0" dirty="0">
+                <a:solidFill>
+                  <a:schemeClr val="tx1"/>
+                </a:solidFill>
+                <a:effectLst/>
+                <a:latin typeface="Calibri" panose="020F0502020204030204" pitchFamily="34" charset="0"/>
+                <a:ea typeface="Calibri" panose="020F0502020204030204" pitchFamily="34" charset="0"/>
+                <a:cs typeface="Calibri" panose="020F0502020204030204" pitchFamily="34" charset="0"/>
+              </a:rPr>
+              <a:t>View my current patients and </a:t>
+            </a:r>
+            <a:r>
+              <a:rPr lang="en-US" sz="1800" dirty="0">
+                <a:solidFill>
+                  <a:schemeClr val="tx1"/>
+                </a:solidFill>
+                <a:latin typeface="Calibri" panose="020F0502020204030204" pitchFamily="34" charset="0"/>
+                <a:ea typeface="Calibri" panose="020F0502020204030204" pitchFamily="34" charset="0"/>
+                <a:cs typeface="Calibri" panose="020F0502020204030204" pitchFamily="34" charset="0"/>
+              </a:rPr>
+              <a:t>nurses for collaboration.</a:t>
             </a:r>
             <a:endParaRPr lang="en-US" sz="1800" b="0" i="0" dirty="0">
               <a:solidFill>
@@ -9250,6 +9192,21 @@
           <a:p>
             <a:pPr algn="just"/>
             <a:r>
+              <a:rPr lang="en-US" b="0" i="0" dirty="0">
+                <a:solidFill>
+                  <a:schemeClr val="tx1"/>
+                </a:solidFill>
+                <a:effectLst/>
+                <a:latin typeface="Calibri" panose="020F0502020204030204" pitchFamily="34" charset="0"/>
+                <a:ea typeface="Calibri" panose="020F0502020204030204" pitchFamily="34" charset="0"/>
+                <a:cs typeface="Calibri" panose="020F0502020204030204" pitchFamily="34" charset="0"/>
+              </a:rPr>
+              <a:t>As an administrator, I need to…</a:t>
+            </a:r>
+          </a:p>
+          <a:p>
+            <a:pPr lvl="1" algn="just"/>
+            <a:r>
               <a:rPr lang="en-US" dirty="0">
                 <a:solidFill>
                   <a:schemeClr val="tx1"/>
@@ -9258,119 +9215,22 @@
                 <a:ea typeface="Calibri" panose="020F0502020204030204" pitchFamily="34" charset="0"/>
                 <a:cs typeface="Calibri" panose="020F0502020204030204" pitchFamily="34" charset="0"/>
               </a:rPr>
-              <a:t>As a doctor I need to… </a:t>
-            </a:r>
-            <a:endParaRPr lang="en-US" dirty="0">
-              <a:solidFill>
-                <a:schemeClr val="tx1"/>
-              </a:solidFill>
-              <a:latin typeface="Calibri" panose="020F0502020204030204" pitchFamily="34" charset="0"/>
-              <a:ea typeface="Calibri" panose="020F0502020204030204" pitchFamily="34" charset="0"/>
-              <a:cs typeface="Calibri" panose="020F0502020204030204" pitchFamily="34" charset="0"/>
-            </a:endParaRPr>
+              <a:t>Discharge patients from the hospital, vacate their rooms and remove them from the lists of their doctors and nurses. </a:t>
+            </a:r>
           </a:p>
           <a:p>
             <a:pPr lvl="1" algn="just"/>
             <a:r>
-              <a:rPr lang="en-US" sz="1800" b="0" i="0" dirty="0">
-                <a:solidFill>
-                  <a:schemeClr val="tx1"/>
-                </a:solidFill>
-                <a:effectLst/>
+              <a:rPr lang="en-US" sz="1800" dirty="0">
+                <a:solidFill>
+                  <a:schemeClr val="tx1"/>
+                </a:solidFill>
                 <a:latin typeface="Calibri" panose="020F0502020204030204" pitchFamily="34" charset="0"/>
                 <a:ea typeface="Calibri" panose="020F0502020204030204" pitchFamily="34" charset="0"/>
                 <a:cs typeface="Calibri" panose="020F0502020204030204" pitchFamily="34" charset="0"/>
               </a:rPr>
-              <a:t>View my current patients and </a:t>
-            </a:r>
-            <a:r>
-              <a:rPr lang="en-US" sz="1800" dirty="0">
-                <a:solidFill>
-                  <a:schemeClr val="tx1"/>
-                </a:solidFill>
-                <a:latin typeface="Calibri" panose="020F0502020204030204" pitchFamily="34" charset="0"/>
-                <a:ea typeface="Calibri" panose="020F0502020204030204" pitchFamily="34" charset="0"/>
-                <a:cs typeface="Calibri" panose="020F0502020204030204" pitchFamily="34" charset="0"/>
-              </a:rPr>
-              <a:t>nurses for collaboration.</a:t>
-            </a:r>
-            <a:endParaRPr lang="en-US" sz="1800" b="0" i="0" dirty="0">
-              <a:solidFill>
-                <a:schemeClr val="tx1"/>
-              </a:solidFill>
-              <a:effectLst/>
-              <a:latin typeface="Calibri" panose="020F0502020204030204" pitchFamily="34" charset="0"/>
-              <a:ea typeface="Calibri" panose="020F0502020204030204" pitchFamily="34" charset="0"/>
-              <a:cs typeface="Calibri" panose="020F0502020204030204" pitchFamily="34" charset="0"/>
-            </a:endParaRPr>
-          </a:p>
-          <a:p>
-            <a:pPr algn="just"/>
-            <a:r>
-              <a:rPr lang="en-US" b="0" i="0" dirty="0">
-                <a:solidFill>
-                  <a:schemeClr val="tx1"/>
-                </a:solidFill>
-                <a:effectLst/>
-                <a:latin typeface="Calibri" panose="020F0502020204030204" pitchFamily="34" charset="0"/>
-                <a:ea typeface="Calibri" panose="020F0502020204030204" pitchFamily="34" charset="0"/>
-                <a:cs typeface="Calibri" panose="020F0502020204030204" pitchFamily="34" charset="0"/>
-              </a:rPr>
-              <a:t>As an administrator, I need to…</a:t>
-            </a:r>
-            <a:endParaRPr lang="en-US" b="0" i="0" dirty="0">
-              <a:solidFill>
-                <a:schemeClr val="tx1"/>
-              </a:solidFill>
-              <a:effectLst/>
-              <a:latin typeface="Calibri" panose="020F0502020204030204" pitchFamily="34" charset="0"/>
-              <a:ea typeface="Calibri" panose="020F0502020204030204" pitchFamily="34" charset="0"/>
-              <a:cs typeface="Calibri" panose="020F0502020204030204" pitchFamily="34" charset="0"/>
-            </a:endParaRPr>
-          </a:p>
-          <a:p>
-            <a:pPr lvl="1" algn="just"/>
-            <a:r>
-              <a:rPr lang="en-US" dirty="0">
-                <a:solidFill>
-                  <a:schemeClr val="tx1"/>
-                </a:solidFill>
-                <a:latin typeface="Calibri" panose="020F0502020204030204" pitchFamily="34" charset="0"/>
-                <a:ea typeface="Calibri" panose="020F0502020204030204" pitchFamily="34" charset="0"/>
-                <a:cs typeface="Calibri" panose="020F0502020204030204" pitchFamily="34" charset="0"/>
-              </a:rPr>
-              <a:t>Discharge patients from the hospital, vacate their rooms and remove them from the lists of their doctors and nurses. </a:t>
-            </a:r>
-            <a:endParaRPr lang="en-US" dirty="0">
-              <a:solidFill>
-                <a:schemeClr val="tx1"/>
-              </a:solidFill>
-              <a:latin typeface="Calibri" panose="020F0502020204030204" pitchFamily="34" charset="0"/>
-              <a:ea typeface="Calibri" panose="020F0502020204030204" pitchFamily="34" charset="0"/>
-              <a:cs typeface="Calibri" panose="020F0502020204030204" pitchFamily="34" charset="0"/>
-            </a:endParaRPr>
-          </a:p>
-          <a:p>
-            <a:pPr lvl="1" algn="just"/>
-            <a:r>
-              <a:rPr lang="en-US" sz="1800" dirty="0">
-                <a:solidFill>
-                  <a:schemeClr val="tx1"/>
-                </a:solidFill>
-                <a:latin typeface="Calibri" panose="020F0502020204030204" pitchFamily="34" charset="0"/>
-                <a:ea typeface="Calibri" panose="020F0502020204030204" pitchFamily="34" charset="0"/>
-                <a:cs typeface="Calibri" panose="020F0502020204030204" pitchFamily="34" charset="0"/>
-              </a:rPr>
               <a:t>Retrieve/update information about employees including their start date, degrees, and role-specific features like specialties and offices.</a:t>
             </a:r>
-            <a:endParaRPr lang="en-US" sz="1800" dirty="0">
-              <a:solidFill>
-                <a:schemeClr val="tx1"/>
-              </a:solidFill>
-              <a:latin typeface="Calibri" panose="020F0502020204030204" pitchFamily="34" charset="0"/>
-              <a:ea typeface="Calibri" panose="020F0502020204030204" pitchFamily="34" charset="0"/>
-              <a:cs typeface="Calibri" panose="020F0502020204030204" pitchFamily="34" charset="0"/>
-            </a:endParaRPr>
           </a:p>
         </p:txBody>
       </p:sp>
@@ -9576,15 +9436,6 @@
               </a:rPr>
               <a:t>The Hospital Administrator can log in to the Hospital Management System using the provided credentials, ensuring secure access to efficiently manage patient records, staff information, room allocation, and billing.</a:t>
             </a:r>
-            <a:endParaRPr lang="en-US" sz="2200" b="0" i="0" dirty="0">
-              <a:solidFill>
-                <a:schemeClr val="tx1"/>
-              </a:solidFill>
-              <a:effectLst/>
-              <a:latin typeface="Calibri" panose="020F0502020204030204" pitchFamily="34" charset="0"/>
-              <a:ea typeface="Calibri" panose="020F0502020204030204" pitchFamily="34" charset="0"/>
-              <a:cs typeface="Calibri" panose="020F0502020204030204" pitchFamily="34" charset="0"/>
-            </a:endParaRPr>
           </a:p>
           <a:p>
             <a:pPr marL="0" indent="0">
@@ -9618,7 +9469,7 @@
           <p:nvPr/>
         </p:nvPicPr>
         <p:blipFill>
-          <a:blip r:embed="rId1"/>
+          <a:blip r:embed="rId3"/>
           <a:stretch>
             <a:fillRect/>
           </a:stretch>
@@ -9736,22 +9587,28 @@
       </p:sp>
       <p:pic>
         <p:nvPicPr>
-          <p:cNvPr id="3" name="Picture 2"/>
+          <p:cNvPr id="4" name="Picture 3">
+            <a:extLst>
+              <a:ext uri="{FF2B5EF4-FFF2-40B4-BE49-F238E27FC236}">
+                <a16:creationId xmlns:a16="http://schemas.microsoft.com/office/drawing/2014/main" id="{14901D94-5FFF-DA05-77F1-7C90FDF8D158}"/>
+              </a:ext>
+            </a:extLst>
+          </p:cNvPr>
           <p:cNvPicPr>
             <a:picLocks noChangeAspect="1"/>
           </p:cNvPicPr>
           <p:nvPr/>
         </p:nvPicPr>
         <p:blipFill>
-          <a:blip r:embed="rId1"/>
+          <a:blip r:embed="rId3"/>
           <a:stretch>
             <a:fillRect/>
           </a:stretch>
         </p:blipFill>
         <p:spPr>
           <a:xfrm>
-            <a:off x="3332481" y="2772057"/>
-            <a:ext cx="6953135" cy="3766552"/>
+            <a:off x="2325949" y="2649030"/>
+            <a:ext cx="7111014" cy="3788764"/>
           </a:xfrm>
           <a:prstGeom prst="rect">
             <a:avLst/>
@@ -9848,15 +9705,6 @@
               </a:rPr>
               <a:t>Within the patient module, users can access patient details, view the patient-doctor info, add new patient entries, assign patients to specific healthcare providers, and discharge patients when necessary.</a:t>
             </a:r>
-            <a:endParaRPr lang="en-US" sz="2200" b="0" i="0" dirty="0">
-              <a:solidFill>
-                <a:schemeClr val="tx1"/>
-              </a:solidFill>
-              <a:effectLst/>
-              <a:latin typeface="Calibri" panose="020F0502020204030204" pitchFamily="34" charset="0"/>
-              <a:ea typeface="Calibri" panose="020F0502020204030204" pitchFamily="34" charset="0"/>
-              <a:cs typeface="Calibri" panose="020F0502020204030204" pitchFamily="34" charset="0"/>
-            </a:endParaRPr>
           </a:p>
           <a:p>
             <a:pPr>
@@ -9886,14 +9734,6 @@
               </a:rPr>
               <a:t>Patient details:                                                              Patient-doctor info:</a:t>
             </a:r>
-            <a:endParaRPr lang="en-US" sz="2200" dirty="0">
-              <a:solidFill>
-                <a:schemeClr val="tx1"/>
-              </a:solidFill>
-              <a:latin typeface="Calibri" panose="020F0502020204030204" pitchFamily="34" charset="0"/>
-              <a:ea typeface="Calibri" panose="020F0502020204030204" pitchFamily="34" charset="0"/>
-              <a:cs typeface="Calibri" panose="020F0502020204030204" pitchFamily="34" charset="0"/>
-            </a:endParaRPr>
           </a:p>
           <a:p>
             <a:pPr marL="152400" indent="0">
@@ -9941,12 +9781,6 @@
               </a:rPr>
               <a:t>                                                                       </a:t>
             </a:r>
-            <a:endParaRPr lang="en-US" dirty="0">
-              <a:solidFill>
-                <a:schemeClr val="tx1"/>
-              </a:solidFill>
-              <a:latin typeface="Söhne"/>
-            </a:endParaRPr>
           </a:p>
         </p:txBody>
       </p:sp>
@@ -9959,7 +9793,7 @@
           <p:nvPr/>
         </p:nvPicPr>
         <p:blipFill>
-          <a:blip r:embed="rId1"/>
+          <a:blip r:embed="rId3"/>
           <a:stretch>
             <a:fillRect/>
           </a:stretch>
@@ -9983,7 +9817,7 @@
           <p:nvPr/>
         </p:nvPicPr>
         <p:blipFill>
-          <a:blip r:embed="rId2"/>
+          <a:blip r:embed="rId4"/>
           <a:stretch>
             <a:fillRect/>
           </a:stretch>
@@ -10069,14 +9903,6 @@
               </a:rPr>
               <a:t>Insert Patient: </a:t>
             </a:r>
-            <a:endParaRPr lang="en-US" b="1" dirty="0">
-              <a:solidFill>
-                <a:schemeClr val="tx1"/>
-              </a:solidFill>
-              <a:latin typeface="Calibri" panose="020F0502020204030204" pitchFamily="34" charset="0"/>
-              <a:ea typeface="Calibri" panose="020F0502020204030204" pitchFamily="34" charset="0"/>
-              <a:cs typeface="Calibri" panose="020F0502020204030204" pitchFamily="34" charset="0"/>
-            </a:endParaRPr>
           </a:p>
           <a:p>
             <a:pPr marL="186055" indent="0">
@@ -10107,15 +9933,6 @@
               </a:rPr>
               <a:t>We have the capability to add new patients along with descriptions of their medical issues for comprehensive record-keeping and treatment planning.</a:t>
             </a:r>
-            <a:endParaRPr lang="en-US" b="0" i="0" dirty="0">
-              <a:solidFill>
-                <a:schemeClr val="tx1"/>
-              </a:solidFill>
-              <a:effectLst/>
-              <a:latin typeface="Calibri" panose="020F0502020204030204" pitchFamily="34" charset="0"/>
-              <a:ea typeface="Calibri" panose="020F0502020204030204" pitchFamily="34" charset="0"/>
-              <a:cs typeface="Calibri" panose="020F0502020204030204" pitchFamily="34" charset="0"/>
-            </a:endParaRPr>
           </a:p>
           <a:p>
             <a:pPr marL="795655" lvl="1" indent="0">
@@ -10249,14 +10066,6 @@
               </a:rPr>
               <a:t>Assign Patient: </a:t>
             </a:r>
-            <a:endParaRPr lang="en-US" b="1" dirty="0">
-              <a:solidFill>
-                <a:schemeClr val="tx1"/>
-              </a:solidFill>
-              <a:latin typeface="Calibri" panose="020F0502020204030204" pitchFamily="34" charset="0"/>
-              <a:ea typeface="Calibri" panose="020F0502020204030204" pitchFamily="34" charset="0"/>
-              <a:cs typeface="Calibri" panose="020F0502020204030204" pitchFamily="34" charset="0"/>
-            </a:endParaRPr>
           </a:p>
           <a:p>
             <a:pPr marL="186055" indent="0">
@@ -10342,7 +10151,7 @@
           <p:nvPr/>
         </p:nvPicPr>
         <p:blipFill>
-          <a:blip r:embed="rId1"/>
+          <a:blip r:embed="rId2"/>
           <a:stretch>
             <a:fillRect/>
           </a:stretch>
@@ -10366,7 +10175,7 @@
           <p:nvPr/>
         </p:nvPicPr>
         <p:blipFill rotWithShape="1">
-          <a:blip r:embed="rId2"/>
+          <a:blip r:embed="rId3"/>
           <a:srcRect r="55978"/>
           <a:stretch>
             <a:fillRect/>
@@ -10440,14 +10249,6 @@
               </a:rPr>
               <a:t>Discharge Patient: </a:t>
             </a:r>
-            <a:endParaRPr lang="en-US" b="1" dirty="0">
-              <a:solidFill>
-                <a:schemeClr val="tx1"/>
-              </a:solidFill>
-              <a:latin typeface="Calibri" panose="020F0502020204030204" pitchFamily="34" charset="0"/>
-              <a:ea typeface="Calibri" panose="020F0502020204030204" pitchFamily="34" charset="0"/>
-              <a:cs typeface="Calibri" panose="020F0502020204030204" pitchFamily="34" charset="0"/>
-            </a:endParaRPr>
           </a:p>
           <a:p>
             <a:pPr marL="795655" lvl="1" indent="0" algn="just">
@@ -10490,14 +10291,6 @@
               </a:rPr>
               <a:t>. This would internally call the discharge patient stored procedure .</a:t>
             </a:r>
-            <a:endParaRPr lang="en-US" b="0" i="0" dirty="0">
-              <a:solidFill>
-                <a:schemeClr val="tx1"/>
-              </a:solidFill>
-              <a:effectLst/>
-              <a:latin typeface="Calibri" panose="020F0502020204030204" pitchFamily="34" charset="0"/>
-              <a:cs typeface="Calibri" panose="020F0502020204030204" pitchFamily="34" charset="0"/>
-            </a:endParaRPr>
           </a:p>
           <a:p>
             <a:pPr marL="795655" lvl="1" indent="0">
@@ -10644,14 +10437,6 @@
               </a:rPr>
               <a:t>Bills: </a:t>
             </a:r>
-            <a:endParaRPr lang="en-US" b="1" dirty="0">
-              <a:solidFill>
-                <a:schemeClr val="tx1"/>
-              </a:solidFill>
-              <a:latin typeface="Calibri" panose="020F0502020204030204" pitchFamily="34" charset="0"/>
-              <a:ea typeface="Calibri" panose="020F0502020204030204" pitchFamily="34" charset="0"/>
-              <a:cs typeface="Calibri" panose="020F0502020204030204" pitchFamily="34" charset="0"/>
-            </a:endParaRPr>
           </a:p>
           <a:p>
             <a:pPr marL="795655" lvl="1" indent="0" algn="just">
@@ -10765,11 +10550,6 @@
               </a:rPr>
               <a:t>            </a:t>
             </a:r>
-            <a:endParaRPr lang="en-US" dirty="0">
-              <a:latin typeface="Calibri" panose="020F0502020204030204" pitchFamily="34" charset="0"/>
-              <a:ea typeface="Calibri" panose="020F0502020204030204" pitchFamily="34" charset="0"/>
-              <a:cs typeface="Calibri" panose="020F0502020204030204" pitchFamily="34" charset="0"/>
-            </a:endParaRPr>
           </a:p>
           <a:p>
             <a:endParaRPr lang="en-US" dirty="0"/>
@@ -10800,7 +10580,7 @@
           <p:nvPr/>
         </p:nvPicPr>
         <p:blipFill>
-          <a:blip r:embed="rId1"/>
+          <a:blip r:embed="rId2"/>
           <a:stretch>
             <a:fillRect/>
           </a:stretch>
@@ -10824,7 +10604,7 @@
           <p:nvPr/>
         </p:nvPicPr>
         <p:blipFill>
-          <a:blip r:embed="rId2"/>
+          <a:blip r:embed="rId3"/>
           <a:stretch>
             <a:fillRect/>
           </a:stretch>
@@ -10848,7 +10628,7 @@
           <p:nvPr/>
         </p:nvPicPr>
         <p:blipFill>
-          <a:blip r:embed="rId3"/>
+          <a:blip r:embed="rId4"/>
           <a:stretch>
             <a:fillRect/>
           </a:stretch>
@@ -10960,14 +10740,6 @@
               </a:rPr>
               <a:t>The Employee class serves as the superclass encompassing Doctor and Nurse subclasses. All doctors and nurses fall under the Employee superclass, sharing common information such as demographics. When inserting a doctor or nurse, it's necessary to input the common information in the Employee superclass first, as it forms the foundation for specific role-related details.</a:t>
             </a:r>
-            <a:endParaRPr lang="en-US" sz="2200" dirty="0">
-              <a:solidFill>
-                <a:schemeClr val="tx1"/>
-              </a:solidFill>
-              <a:latin typeface="Calibri" panose="020F0502020204030204" pitchFamily="34" charset="0"/>
-              <a:ea typeface="Calibri" panose="020F0502020204030204" pitchFamily="34" charset="0"/>
-              <a:cs typeface="Calibri" panose="020F0502020204030204" pitchFamily="34" charset="0"/>
-            </a:endParaRPr>
           </a:p>
           <a:p>
             <a:pPr>
@@ -11019,14 +10791,6 @@
               </a:rPr>
               <a:t>Insert Employee:</a:t>
             </a:r>
-            <a:endParaRPr lang="en-US" dirty="0">
-              <a:solidFill>
-                <a:schemeClr val="tx1"/>
-              </a:solidFill>
-              <a:latin typeface="Calibri" panose="020F0502020204030204" pitchFamily="34" charset="0"/>
-              <a:ea typeface="Calibri" panose="020F0502020204030204" pitchFamily="34" charset="0"/>
-              <a:cs typeface="Calibri" panose="020F0502020204030204" pitchFamily="34" charset="0"/>
-            </a:endParaRPr>
           </a:p>
           <a:p>
             <a:pPr marL="152400" indent="0">
@@ -11050,7 +10814,7 @@
           <p:nvPr/>
         </p:nvPicPr>
         <p:blipFill>
-          <a:blip r:embed="rId1"/>
+          <a:blip r:embed="rId3"/>
           <a:stretch>
             <a:fillRect/>
           </a:stretch>
@@ -11074,7 +10838,7 @@
           <p:nvPr/>
         </p:nvPicPr>
         <p:blipFill>
-          <a:blip r:embed="rId2"/>
+          <a:blip r:embed="rId4"/>
           <a:stretch>
             <a:fillRect/>
           </a:stretch>
@@ -11213,14 +10977,6 @@
               </a:rPr>
               <a:t>we can see doctor info, patients assigned to doctor, and we can also insert new doctors.</a:t>
             </a:r>
-            <a:endParaRPr lang="en-US" sz="2200" dirty="0">
-              <a:solidFill>
-                <a:schemeClr val="tx1"/>
-              </a:solidFill>
-              <a:latin typeface="Calibri" panose="020F0502020204030204" pitchFamily="34" charset="0"/>
-              <a:ea typeface="Calibri" panose="020F0502020204030204" pitchFamily="34" charset="0"/>
-              <a:cs typeface="Calibri" panose="020F0502020204030204" pitchFamily="34" charset="0"/>
-            </a:endParaRPr>
           </a:p>
           <a:p>
             <a:pPr>
@@ -11257,14 +11013,6 @@
               </a:rPr>
               <a:t>Doctor-patient view:                                                           insert doctor:</a:t>
             </a:r>
-            <a:endParaRPr lang="en-US" sz="2200" dirty="0">
-              <a:solidFill>
-                <a:schemeClr val="tx1"/>
-              </a:solidFill>
-              <a:latin typeface="Calibri" panose="020F0502020204030204" pitchFamily="34" charset="0"/>
-              <a:ea typeface="Calibri" panose="020F0502020204030204" pitchFamily="34" charset="0"/>
-              <a:cs typeface="Calibri" panose="020F0502020204030204" pitchFamily="34" charset="0"/>
-            </a:endParaRPr>
           </a:p>
           <a:p>
             <a:pPr marL="152400" indent="0">
@@ -11314,12 +11062,6 @@
               </a:rPr>
               <a:t>                                                                       </a:t>
             </a:r>
-            <a:endParaRPr lang="en-US" dirty="0">
-              <a:solidFill>
-                <a:schemeClr val="tx1"/>
-              </a:solidFill>
-              <a:latin typeface="Söhne"/>
-            </a:endParaRPr>
           </a:p>
         </p:txBody>
       </p:sp>
@@ -11332,7 +11074,7 @@
           <p:nvPr/>
         </p:nvPicPr>
         <p:blipFill>
-          <a:blip r:embed="rId1"/>
+          <a:blip r:embed="rId3"/>
           <a:stretch>
             <a:fillRect/>
           </a:stretch>
@@ -11356,7 +11098,7 @@
           <p:nvPr/>
         </p:nvPicPr>
         <p:blipFill>
-          <a:blip r:embed="rId2"/>
+          <a:blip r:embed="rId4"/>
           <a:stretch>
             <a:fillRect/>
           </a:stretch>
@@ -11472,14 +11214,6 @@
               </a:rPr>
               <a:t>we can see nurse info, patients assigned to nurse, and we can also insert new nurses.</a:t>
             </a:r>
-            <a:endParaRPr lang="en-US" sz="2200" dirty="0">
-              <a:solidFill>
-                <a:schemeClr val="tx1"/>
-              </a:solidFill>
-              <a:latin typeface="Calibri" panose="020F0502020204030204" pitchFamily="34" charset="0"/>
-              <a:ea typeface="Calibri" panose="020F0502020204030204" pitchFamily="34" charset="0"/>
-              <a:cs typeface="Calibri" panose="020F0502020204030204" pitchFamily="34" charset="0"/>
-            </a:endParaRPr>
           </a:p>
           <a:p>
             <a:pPr>
@@ -11509,14 +11243,6 @@
               </a:rPr>
               <a:t>    Nurse-patient view:                                                               insert Nurse:</a:t>
             </a:r>
-            <a:endParaRPr lang="en-US" sz="2200" dirty="0">
-              <a:solidFill>
-                <a:schemeClr val="tx1"/>
-              </a:solidFill>
-              <a:latin typeface="Calibri" panose="020F0502020204030204" pitchFamily="34" charset="0"/>
-              <a:ea typeface="Calibri" panose="020F0502020204030204" pitchFamily="34" charset="0"/>
-              <a:cs typeface="Calibri" panose="020F0502020204030204" pitchFamily="34" charset="0"/>
-            </a:endParaRPr>
           </a:p>
           <a:p>
             <a:pPr marL="152400" indent="0">
@@ -11564,12 +11290,6 @@
               </a:rPr>
               <a:t>                                                                       </a:t>
             </a:r>
-            <a:endParaRPr lang="en-US" dirty="0">
-              <a:solidFill>
-                <a:schemeClr val="tx1"/>
-              </a:solidFill>
-              <a:latin typeface="Söhne"/>
-            </a:endParaRPr>
           </a:p>
         </p:txBody>
       </p:sp>
@@ -11582,7 +11302,7 @@
           <p:nvPr/>
         </p:nvPicPr>
         <p:blipFill>
-          <a:blip r:embed="rId1"/>
+          <a:blip r:embed="rId3"/>
           <a:stretch>
             <a:fillRect/>
           </a:stretch>
@@ -11606,7 +11326,7 @@
           <p:nvPr/>
         </p:nvPicPr>
         <p:blipFill>
-          <a:blip r:embed="rId2"/>
+          <a:blip r:embed="rId4"/>
           <a:stretch>
             <a:fillRect/>
           </a:stretch>
@@ -11732,12 +11452,6 @@
               </a:rPr>
               <a:t>                                                                       </a:t>
             </a:r>
-            <a:endParaRPr lang="en-US" dirty="0">
-              <a:solidFill>
-                <a:schemeClr val="tx1"/>
-              </a:solidFill>
-              <a:latin typeface="Söhne"/>
-            </a:endParaRPr>
           </a:p>
         </p:txBody>
       </p:sp>
@@ -11750,7 +11464,7 @@
           <p:nvPr/>
         </p:nvPicPr>
         <p:blipFill>
-          <a:blip r:embed="rId1"/>
+          <a:blip r:embed="rId3"/>
           <a:stretch>
             <a:fillRect/>
           </a:stretch>
@@ -11811,7 +11525,6 @@
               <a:rPr lang="en-US" dirty="0"/>
               <a:t>Other:</a:t>
             </a:r>
-            <a:endParaRPr lang="en-US" dirty="0"/>
           </a:p>
         </p:txBody>
       </p:sp>
@@ -11841,6 +11554,8 @@
               </a:rPr>
               <a:t>Apart from above, you can also see Emergency contacts of patients,  current status of rooms and we also have logout feature, where we can logout of session.</a:t>
             </a:r>
+          </a:p>
+          <a:p>
             <a:endParaRPr lang="en-US" sz="2200" dirty="0">
               <a:solidFill>
                 <a:schemeClr val="tx1"/>
@@ -11851,16 +11566,6 @@
             </a:endParaRPr>
           </a:p>
           <a:p>
-            <a:endParaRPr lang="en-US" sz="2200" dirty="0">
-              <a:solidFill>
-                <a:schemeClr val="tx1"/>
-              </a:solidFill>
-              <a:latin typeface="Calibri" panose="020F0502020204030204" pitchFamily="34" charset="0"/>
-              <a:ea typeface="Calibri" panose="020F0502020204030204" pitchFamily="34" charset="0"/>
-              <a:cs typeface="Calibri" panose="020F0502020204030204" pitchFamily="34" charset="0"/>
-            </a:endParaRPr>
-          </a:p>
-          <a:p>
             <a:pPr marL="152400" indent="0">
               <a:buNone/>
             </a:pPr>
@@ -11875,14 +11580,6 @@
               </a:rPr>
               <a:t> Emergency contacts:                                                   Rooms: </a:t>
             </a:r>
-            <a:endParaRPr lang="en-US" sz="2200" dirty="0">
-              <a:solidFill>
-                <a:schemeClr val="tx1"/>
-              </a:solidFill>
-              <a:latin typeface="Calibri" panose="020F0502020204030204" pitchFamily="34" charset="0"/>
-              <a:ea typeface="Calibri" panose="020F0502020204030204" pitchFamily="34" charset="0"/>
-              <a:cs typeface="Calibri" panose="020F0502020204030204" pitchFamily="34" charset="0"/>
-            </a:endParaRPr>
           </a:p>
           <a:p>
             <a:pPr marL="152400" indent="0">
@@ -11892,7 +11589,6 @@
               <a:rPr lang="en-US" dirty="0"/>
               <a:t>  </a:t>
             </a:r>
-            <a:endParaRPr lang="en-US" dirty="0"/>
           </a:p>
         </p:txBody>
       </p:sp>
@@ -11905,7 +11601,7 @@
           <p:nvPr/>
         </p:nvPicPr>
         <p:blipFill>
-          <a:blip r:embed="rId1"/>
+          <a:blip r:embed="rId2"/>
           <a:stretch>
             <a:fillRect/>
           </a:stretch>
@@ -11929,7 +11625,7 @@
           <p:nvPr/>
         </p:nvPicPr>
         <p:blipFill>
-          <a:blip r:embed="rId2"/>
+          <a:blip r:embed="rId3"/>
           <a:stretch>
             <a:fillRect/>
           </a:stretch>
@@ -12052,13 +11748,6 @@
               </a:rPr>
               <a:t> system.</a:t>
             </a:r>
-            <a:endParaRPr lang="en-GB" altLang="en-US" sz="2200" dirty="0">
-              <a:solidFill>
-                <a:schemeClr val="tx1"/>
-              </a:solidFill>
-              <a:latin typeface="Calibri" panose="020F0502020204030204" pitchFamily="34" charset="0"/>
-              <a:cs typeface="Calibri" panose="020F0502020204030204" pitchFamily="34" charset="0"/>
-            </a:endParaRPr>
           </a:p>
           <a:p>
             <a:pPr algn="just"/>
@@ -12092,13 +11781,6 @@
               </a:rPr>
               <a:t> Track and manage patient assignments to each doctor and nurse, providing visibility into workload distribution.</a:t>
             </a:r>
-            <a:endParaRPr lang="en-GB" altLang="en-US" sz="2200" dirty="0">
-              <a:solidFill>
-                <a:schemeClr val="tx1"/>
-              </a:solidFill>
-              <a:latin typeface="Calibri" panose="020F0502020204030204" pitchFamily="34" charset="0"/>
-              <a:cs typeface="Calibri" panose="020F0502020204030204" pitchFamily="34" charset="0"/>
-            </a:endParaRPr>
           </a:p>
           <a:p>
             <a:pPr marL="152400" indent="0" algn="just">
@@ -12154,13 +11836,6 @@
               </a:rPr>
               <a:t> system supports optimized patient care by allowing Hospital Administrators to assign patients to doctors based on specialties, ensuring that patients receive appropriate and specialized medical attention.</a:t>
             </a:r>
-            <a:endParaRPr lang="en-GB" altLang="en-US" sz="2200" dirty="0">
-              <a:solidFill>
-                <a:schemeClr val="tx1"/>
-              </a:solidFill>
-              <a:latin typeface="Calibri" panose="020F0502020204030204" pitchFamily="34" charset="0"/>
-              <a:cs typeface="Calibri" panose="020F0502020204030204" pitchFamily="34" charset="0"/>
-            </a:endParaRPr>
           </a:p>
         </p:txBody>
       </p:sp>
@@ -12208,7 +11883,6 @@
               <a:rPr lang="en-US" dirty="0"/>
               <a:t>DEMO</a:t>
             </a:r>
-            <a:endParaRPr lang="en-US" dirty="0"/>
           </a:p>
         </p:txBody>
       </p:sp>
@@ -12242,11 +11916,6 @@
               </a:rPr>
               <a:t>https://github.com/deepthisamhithaedara/Database-Project</a:t>
             </a:r>
-            <a:endParaRPr lang="en-US" dirty="0">
-              <a:solidFill>
-                <a:schemeClr val="tx1"/>
-              </a:solidFill>
-            </a:endParaRPr>
           </a:p>
         </p:txBody>
       </p:sp>
@@ -12294,7 +11963,6 @@
               <a:rPr lang="en-US" dirty="0"/>
               <a:t>Thank you!</a:t>
             </a:r>
-            <a:endParaRPr lang="en-US" dirty="0"/>
           </a:p>
         </p:txBody>
       </p:sp>
@@ -12364,13 +12032,6 @@
               </a:rPr>
               <a:t>  Balance doctor workloads by monitoring patient assignments to ensure efficient use of doctor resources.</a:t>
             </a:r>
-            <a:endParaRPr lang="en-GB" altLang="en-US" sz="2200" dirty="0">
-              <a:solidFill>
-                <a:schemeClr val="tx1"/>
-              </a:solidFill>
-              <a:latin typeface="Calibri" panose="020F0502020204030204" pitchFamily="34" charset="0"/>
-              <a:cs typeface="Calibri" panose="020F0502020204030204" pitchFamily="34" charset="0"/>
-            </a:endParaRPr>
           </a:p>
           <a:p>
             <a:pPr marL="152400" indent="0" algn="just">
@@ -12426,13 +12087,6 @@
               </a:rPr>
               <a:t>, allowing for easy navigation and efficient management.</a:t>
             </a:r>
-            <a:endParaRPr lang="en-GB" altLang="en-US" sz="2200" dirty="0">
-              <a:solidFill>
-                <a:schemeClr val="tx1"/>
-              </a:solidFill>
-              <a:latin typeface="Calibri" panose="020F0502020204030204" pitchFamily="34" charset="0"/>
-              <a:cs typeface="Calibri" panose="020F0502020204030204" pitchFamily="34" charset="0"/>
-            </a:endParaRPr>
           </a:p>
         </p:txBody>
       </p:sp>
@@ -12526,22 +12180,28 @@
       </p:sp>
       <p:pic>
         <p:nvPicPr>
-          <p:cNvPr id="4" name="Picture 3"/>
+          <p:cNvPr id="3" name="Picture 2">
+            <a:extLst>
+              <a:ext uri="{FF2B5EF4-FFF2-40B4-BE49-F238E27FC236}">
+                <a16:creationId xmlns:a16="http://schemas.microsoft.com/office/drawing/2014/main" id="{71916325-B214-D793-7EF3-28DDEC976A04}"/>
+              </a:ext>
+            </a:extLst>
+          </p:cNvPr>
           <p:cNvPicPr>
             <a:picLocks noChangeAspect="1"/>
           </p:cNvPicPr>
           <p:nvPr/>
         </p:nvPicPr>
         <p:blipFill>
-          <a:blip r:embed="rId1"/>
+          <a:blip r:embed="rId3"/>
           <a:stretch>
             <a:fillRect/>
           </a:stretch>
         </p:blipFill>
         <p:spPr>
           <a:xfrm>
-            <a:off x="2438400" y="1931035"/>
-            <a:ext cx="7315200" cy="4307840"/>
+            <a:off x="2821781" y="1150143"/>
+            <a:ext cx="7640068" cy="5317487"/>
           </a:xfrm>
           <a:prstGeom prst="rect">
             <a:avLst/>
@@ -12611,7 +12271,7 @@
           <p:nvPr/>
         </p:nvPicPr>
         <p:blipFill>
-          <a:blip r:embed="rId1"/>
+          <a:blip r:embed="rId3"/>
           <a:stretch>
             <a:fillRect/>
           </a:stretch>
@@ -12675,7 +12335,6 @@
               <a:rPr lang="en-US" dirty="0"/>
               <a:t>Data Dictionary:</a:t>
             </a:r>
-            <a:endParaRPr lang="en-US" dirty="0"/>
           </a:p>
         </p:txBody>
       </p:sp>
@@ -12716,15 +12375,6 @@
               </a:rPr>
               <a:t>Employee Table</a:t>
             </a:r>
-            <a:endParaRPr lang="en-US" sz="1800" b="1" i="0" dirty="0">
-              <a:solidFill>
-                <a:schemeClr val="tx1"/>
-              </a:solidFill>
-              <a:effectLst/>
-              <a:latin typeface="Calibri" panose="020F0502020204030204" pitchFamily="34" charset="0"/>
-              <a:ea typeface="Calibri" panose="020F0502020204030204" pitchFamily="34" charset="0"/>
-              <a:cs typeface="Calibri" panose="020F0502020204030204" pitchFamily="34" charset="0"/>
-            </a:endParaRPr>
           </a:p>
           <a:p>
             <a:pPr algn="just"/>
@@ -12752,15 +12402,6 @@
               </a:rPr>
               <a:t>: Unique identifier for each employee. Primary key.</a:t>
             </a:r>
-            <a:endParaRPr lang="en-US" sz="1800" i="0" dirty="0">
-              <a:solidFill>
-                <a:schemeClr val="tx1"/>
-              </a:solidFill>
-              <a:effectLst/>
-              <a:latin typeface="Calibri" panose="020F0502020204030204" pitchFamily="34" charset="0"/>
-              <a:ea typeface="Calibri" panose="020F0502020204030204" pitchFamily="34" charset="0"/>
-              <a:cs typeface="Calibri" panose="020F0502020204030204" pitchFamily="34" charset="0"/>
-            </a:endParaRPr>
           </a:p>
           <a:p>
             <a:pPr algn="just"/>
@@ -12788,15 +12429,6 @@
               </a:rPr>
               <a:t>: Name of the employee.</a:t>
             </a:r>
-            <a:endParaRPr lang="en-US" sz="1800" i="0" dirty="0">
-              <a:solidFill>
-                <a:schemeClr val="tx1"/>
-              </a:solidFill>
-              <a:effectLst/>
-              <a:latin typeface="Calibri" panose="020F0502020204030204" pitchFamily="34" charset="0"/>
-              <a:ea typeface="Calibri" panose="020F0502020204030204" pitchFamily="34" charset="0"/>
-              <a:cs typeface="Calibri" panose="020F0502020204030204" pitchFamily="34" charset="0"/>
-            </a:endParaRPr>
           </a:p>
           <a:p>
             <a:pPr algn="just"/>
@@ -12824,15 +12456,6 @@
               </a:rPr>
               <a:t>: Start date of employment.</a:t>
             </a:r>
-            <a:endParaRPr lang="en-US" sz="1800" i="0" dirty="0">
-              <a:solidFill>
-                <a:schemeClr val="tx1"/>
-              </a:solidFill>
-              <a:effectLst/>
-              <a:latin typeface="Calibri" panose="020F0502020204030204" pitchFamily="34" charset="0"/>
-              <a:ea typeface="Calibri" panose="020F0502020204030204" pitchFamily="34" charset="0"/>
-              <a:cs typeface="Calibri" panose="020F0502020204030204" pitchFamily="34" charset="0"/>
-            </a:endParaRPr>
           </a:p>
           <a:p>
             <a:pPr algn="just"/>
@@ -12860,15 +12483,6 @@
               </a:rPr>
               <a:t>: Degree qualification of the employee.</a:t>
             </a:r>
-            <a:endParaRPr lang="en-US" sz="1800" i="0" dirty="0">
-              <a:solidFill>
-                <a:schemeClr val="tx1"/>
-              </a:solidFill>
-              <a:effectLst/>
-              <a:latin typeface="Calibri" panose="020F0502020204030204" pitchFamily="34" charset="0"/>
-              <a:ea typeface="Calibri" panose="020F0502020204030204" pitchFamily="34" charset="0"/>
-              <a:cs typeface="Calibri" panose="020F0502020204030204" pitchFamily="34" charset="0"/>
-            </a:endParaRPr>
           </a:p>
           <a:p>
             <a:pPr algn="just"/>
@@ -12937,15 +12551,6 @@
               </a:rPr>
               <a:t>Doctor Table</a:t>
             </a:r>
-            <a:endParaRPr lang="en-US" sz="1800" b="1" i="0" dirty="0">
-              <a:solidFill>
-                <a:schemeClr val="tx1"/>
-              </a:solidFill>
-              <a:effectLst/>
-              <a:latin typeface="Calibri" panose="020F0502020204030204" pitchFamily="34" charset="0"/>
-              <a:ea typeface="Calibri" panose="020F0502020204030204" pitchFamily="34" charset="0"/>
-              <a:cs typeface="Calibri" panose="020F0502020204030204" pitchFamily="34" charset="0"/>
-            </a:endParaRPr>
           </a:p>
           <a:p>
             <a:pPr algn="just"/>
@@ -12973,15 +12578,6 @@
               </a:rPr>
               <a:t>: Unique identifier for each doctor. Primary key and foreign key referencing the Employee table.</a:t>
             </a:r>
-            <a:endParaRPr lang="en-US" sz="1800" i="0" dirty="0">
-              <a:solidFill>
-                <a:schemeClr val="tx1"/>
-              </a:solidFill>
-              <a:effectLst/>
-              <a:latin typeface="Calibri" panose="020F0502020204030204" pitchFamily="34" charset="0"/>
-              <a:ea typeface="Calibri" panose="020F0502020204030204" pitchFamily="34" charset="0"/>
-              <a:cs typeface="Calibri" panose="020F0502020204030204" pitchFamily="34" charset="0"/>
-            </a:endParaRPr>
           </a:p>
           <a:p>
             <a:pPr algn="just"/>
@@ -13009,15 +12605,6 @@
               </a:rPr>
               <a:t>: Specialization of the doctor.</a:t>
             </a:r>
-            <a:endParaRPr lang="en-US" sz="1800" i="0" dirty="0">
-              <a:solidFill>
-                <a:schemeClr val="tx1"/>
-              </a:solidFill>
-              <a:effectLst/>
-              <a:latin typeface="Calibri" panose="020F0502020204030204" pitchFamily="34" charset="0"/>
-              <a:ea typeface="Calibri" panose="020F0502020204030204" pitchFamily="34" charset="0"/>
-              <a:cs typeface="Calibri" panose="020F0502020204030204" pitchFamily="34" charset="0"/>
-            </a:endParaRPr>
           </a:p>
           <a:p>
             <a:pPr algn="just"/>
@@ -13045,15 +12632,6 @@
               </a:rPr>
               <a:t>: Office location of the doctor.</a:t>
             </a:r>
-            <a:endParaRPr lang="en-US" sz="1800" i="0" dirty="0">
-              <a:solidFill>
-                <a:schemeClr val="tx1"/>
-              </a:solidFill>
-              <a:effectLst/>
-              <a:latin typeface="Calibri" panose="020F0502020204030204" pitchFamily="34" charset="0"/>
-              <a:ea typeface="Calibri" panose="020F0502020204030204" pitchFamily="34" charset="0"/>
-              <a:cs typeface="Calibri" panose="020F0502020204030204" pitchFamily="34" charset="0"/>
-            </a:endParaRPr>
           </a:p>
           <a:p>
             <a:pPr marL="186055" indent="0" algn="just">
@@ -13071,15 +12649,6 @@
               </a:rPr>
               <a:t>Nurse Table</a:t>
             </a:r>
-            <a:endParaRPr lang="en-US" sz="1800" b="1" i="0" dirty="0">
-              <a:solidFill>
-                <a:schemeClr val="tx1"/>
-              </a:solidFill>
-              <a:effectLst/>
-              <a:latin typeface="Calibri" panose="020F0502020204030204" pitchFamily="34" charset="0"/>
-              <a:ea typeface="Calibri" panose="020F0502020204030204" pitchFamily="34" charset="0"/>
-              <a:cs typeface="Calibri" panose="020F0502020204030204" pitchFamily="34" charset="0"/>
-            </a:endParaRPr>
           </a:p>
           <a:p>
             <a:pPr algn="just"/>
@@ -13119,15 +12688,6 @@
               </a:rPr>
               <a:t> Unique identifier for each nurse. Primary key and foreign key referencing the Employee table.</a:t>
             </a:r>
-            <a:endParaRPr lang="en-US" sz="1800" i="0" dirty="0">
-              <a:solidFill>
-                <a:schemeClr val="tx1"/>
-              </a:solidFill>
-              <a:effectLst/>
-              <a:latin typeface="Calibri" panose="020F0502020204030204" pitchFamily="34" charset="0"/>
-              <a:ea typeface="Calibri" panose="020F0502020204030204" pitchFamily="34" charset="0"/>
-              <a:cs typeface="Calibri" panose="020F0502020204030204" pitchFamily="34" charset="0"/>
-            </a:endParaRPr>
           </a:p>
           <a:p>
             <a:pPr algn="just"/>
@@ -13155,15 +12715,6 @@
               </a:rPr>
               <a:t>: Team or department the nurse belongs to.</a:t>
             </a:r>
-            <a:endParaRPr lang="en-US" sz="1800" i="0" dirty="0">
-              <a:solidFill>
-                <a:schemeClr val="tx1"/>
-              </a:solidFill>
-              <a:effectLst/>
-              <a:latin typeface="Calibri" panose="020F0502020204030204" pitchFamily="34" charset="0"/>
-              <a:ea typeface="Calibri" panose="020F0502020204030204" pitchFamily="34" charset="0"/>
-              <a:cs typeface="Calibri" panose="020F0502020204030204" pitchFamily="34" charset="0"/>
-            </a:endParaRPr>
           </a:p>
           <a:p>
             <a:pPr algn="just"/>
@@ -13191,15 +12742,6 @@
               </a:rPr>
               <a:t>: Shift schedule of the nurse.</a:t>
             </a:r>
-            <a:endParaRPr lang="en-US" sz="1800" i="0" dirty="0">
-              <a:solidFill>
-                <a:schemeClr val="tx1"/>
-              </a:solidFill>
-              <a:effectLst/>
-              <a:latin typeface="Calibri" panose="020F0502020204030204" pitchFamily="34" charset="0"/>
-              <a:ea typeface="Calibri" panose="020F0502020204030204" pitchFamily="34" charset="0"/>
-              <a:cs typeface="Calibri" panose="020F0502020204030204" pitchFamily="34" charset="0"/>
-            </a:endParaRPr>
           </a:p>
         </p:txBody>
       </p:sp>
@@ -13247,7 +12789,6 @@
               <a:rPr lang="en-US" dirty="0"/>
               <a:t>Data Dictionary:</a:t>
             </a:r>
-            <a:endParaRPr lang="en-US" dirty="0"/>
           </a:p>
         </p:txBody>
       </p:sp>
@@ -13288,15 +12829,6 @@
               </a:rPr>
               <a:t>Patient Table</a:t>
             </a:r>
-            <a:endParaRPr lang="en-US" sz="1900" b="1" i="0" dirty="0">
-              <a:solidFill>
-                <a:schemeClr val="tx1"/>
-              </a:solidFill>
-              <a:effectLst/>
-              <a:latin typeface="Calibri" panose="020F0502020204030204" pitchFamily="34" charset="0"/>
-              <a:ea typeface="Calibri" panose="020F0502020204030204" pitchFamily="34" charset="0"/>
-              <a:cs typeface="Calibri" panose="020F0502020204030204" pitchFamily="34" charset="0"/>
-            </a:endParaRPr>
           </a:p>
           <a:p>
             <a:pPr algn="just"/>
@@ -13324,15 +12856,6 @@
               </a:rPr>
               <a:t>: Unique identifier for each patient. Primary key.</a:t>
             </a:r>
-            <a:endParaRPr lang="en-US" sz="1900" b="0" i="0" dirty="0">
-              <a:solidFill>
-                <a:schemeClr val="tx1"/>
-              </a:solidFill>
-              <a:effectLst/>
-              <a:latin typeface="Calibri" panose="020F0502020204030204" pitchFamily="34" charset="0"/>
-              <a:ea typeface="Calibri" panose="020F0502020204030204" pitchFamily="34" charset="0"/>
-              <a:cs typeface="Calibri" panose="020F0502020204030204" pitchFamily="34" charset="0"/>
-            </a:endParaRPr>
           </a:p>
           <a:p>
             <a:pPr algn="just"/>
@@ -13360,15 +12883,6 @@
               </a:rPr>
               <a:t>: Social Security Number of the patient.</a:t>
             </a:r>
-            <a:endParaRPr lang="en-US" sz="1900" b="0" i="0" dirty="0">
-              <a:solidFill>
-                <a:schemeClr val="tx1"/>
-              </a:solidFill>
-              <a:effectLst/>
-              <a:latin typeface="Calibri" panose="020F0502020204030204" pitchFamily="34" charset="0"/>
-              <a:ea typeface="Calibri" panose="020F0502020204030204" pitchFamily="34" charset="0"/>
-              <a:cs typeface="Calibri" panose="020F0502020204030204" pitchFamily="34" charset="0"/>
-            </a:endParaRPr>
           </a:p>
           <a:p>
             <a:pPr algn="just"/>
@@ -13396,15 +12910,6 @@
               </a:rPr>
               <a:t>: Name of the patient.</a:t>
             </a:r>
-            <a:endParaRPr lang="en-US" sz="1900" b="0" i="0" dirty="0">
-              <a:solidFill>
-                <a:schemeClr val="tx1"/>
-              </a:solidFill>
-              <a:effectLst/>
-              <a:latin typeface="Calibri" panose="020F0502020204030204" pitchFamily="34" charset="0"/>
-              <a:ea typeface="Calibri" panose="020F0502020204030204" pitchFamily="34" charset="0"/>
-              <a:cs typeface="Calibri" panose="020F0502020204030204" pitchFamily="34" charset="0"/>
-            </a:endParaRPr>
           </a:p>
           <a:p>
             <a:pPr algn="just"/>
@@ -13432,15 +12937,6 @@
               </a:rPr>
               <a:t>: Birth date of the patient.</a:t>
             </a:r>
-            <a:endParaRPr lang="en-US" sz="1900" b="0" i="0" dirty="0">
-              <a:solidFill>
-                <a:schemeClr val="tx1"/>
-              </a:solidFill>
-              <a:effectLst/>
-              <a:latin typeface="Calibri" panose="020F0502020204030204" pitchFamily="34" charset="0"/>
-              <a:ea typeface="Calibri" panose="020F0502020204030204" pitchFamily="34" charset="0"/>
-              <a:cs typeface="Calibri" panose="020F0502020204030204" pitchFamily="34" charset="0"/>
-            </a:endParaRPr>
           </a:p>
           <a:p>
             <a:pPr algn="just"/>
@@ -13468,15 +12964,6 @@
               </a:rPr>
               <a:t>: Foreign key referencing the Room table, indicating the room where the patient is accommodated.</a:t>
             </a:r>
-            <a:endParaRPr lang="en-US" sz="1900" b="0" i="0" dirty="0">
-              <a:solidFill>
-                <a:schemeClr val="tx1"/>
-              </a:solidFill>
-              <a:effectLst/>
-              <a:latin typeface="Calibri" panose="020F0502020204030204" pitchFamily="34" charset="0"/>
-              <a:ea typeface="Calibri" panose="020F0502020204030204" pitchFamily="34" charset="0"/>
-              <a:cs typeface="Calibri" panose="020F0502020204030204" pitchFamily="34" charset="0"/>
-            </a:endParaRPr>
           </a:p>
           <a:p>
             <a:pPr algn="just"/>
@@ -13504,15 +12991,6 @@
               </a:rPr>
               <a:t>: Foreign key referencing the Nurse table, indicating the nurse assigned to the patient.</a:t>
             </a:r>
-            <a:endParaRPr lang="en-US" sz="1900" b="0" i="0" dirty="0">
-              <a:solidFill>
-                <a:schemeClr val="tx1"/>
-              </a:solidFill>
-              <a:effectLst/>
-              <a:latin typeface="Calibri" panose="020F0502020204030204" pitchFamily="34" charset="0"/>
-              <a:ea typeface="Calibri" panose="020F0502020204030204" pitchFamily="34" charset="0"/>
-              <a:cs typeface="Calibri" panose="020F0502020204030204" pitchFamily="34" charset="0"/>
-            </a:endParaRPr>
           </a:p>
           <a:p>
             <a:pPr algn="just"/>
@@ -13540,15 +13018,6 @@
               </a:rPr>
               <a:t>: Foreign key referencing the Doctor table, indicating the doctor responsible for the patient.</a:t>
             </a:r>
-            <a:endParaRPr lang="en-US" sz="1900" b="0" i="0" dirty="0">
-              <a:solidFill>
-                <a:schemeClr val="tx1"/>
-              </a:solidFill>
-              <a:effectLst/>
-              <a:latin typeface="Calibri" panose="020F0502020204030204" pitchFamily="34" charset="0"/>
-              <a:ea typeface="Calibri" panose="020F0502020204030204" pitchFamily="34" charset="0"/>
-              <a:cs typeface="Calibri" panose="020F0502020204030204" pitchFamily="34" charset="0"/>
-            </a:endParaRPr>
           </a:p>
           <a:p>
             <a:pPr algn="just"/>
@@ -13576,15 +13045,6 @@
               </a:rPr>
               <a:t>: Additional description or notes about the patient.</a:t>
             </a:r>
-            <a:endParaRPr lang="en-US" sz="1900" b="0" i="0" dirty="0">
-              <a:solidFill>
-                <a:schemeClr val="tx1"/>
-              </a:solidFill>
-              <a:effectLst/>
-              <a:latin typeface="Calibri" panose="020F0502020204030204" pitchFamily="34" charset="0"/>
-              <a:ea typeface="Calibri" panose="020F0502020204030204" pitchFamily="34" charset="0"/>
-              <a:cs typeface="Calibri" panose="020F0502020204030204" pitchFamily="34" charset="0"/>
-            </a:endParaRPr>
           </a:p>
           <a:p>
             <a:pPr marL="186055" indent="0" algn="just">
@@ -13616,15 +13076,6 @@
               </a:rPr>
               <a:t>Bill Table</a:t>
             </a:r>
-            <a:endParaRPr lang="en-US" sz="1900" b="1" i="0" dirty="0">
-              <a:solidFill>
-                <a:schemeClr val="tx1"/>
-              </a:solidFill>
-              <a:effectLst/>
-              <a:latin typeface="Calibri" panose="020F0502020204030204" pitchFamily="34" charset="0"/>
-              <a:ea typeface="Calibri" panose="020F0502020204030204" pitchFamily="34" charset="0"/>
-              <a:cs typeface="Calibri" panose="020F0502020204030204" pitchFamily="34" charset="0"/>
-            </a:endParaRPr>
           </a:p>
           <a:p>
             <a:pPr algn="just"/>
@@ -13652,15 +13103,6 @@
               </a:rPr>
               <a:t>: Unique identifier for each bill. Primary key.</a:t>
             </a:r>
-            <a:endParaRPr lang="en-US" sz="1900" b="0" i="0" dirty="0">
-              <a:solidFill>
-                <a:schemeClr val="tx1"/>
-              </a:solidFill>
-              <a:effectLst/>
-              <a:latin typeface="Calibri" panose="020F0502020204030204" pitchFamily="34" charset="0"/>
-              <a:ea typeface="Calibri" panose="020F0502020204030204" pitchFamily="34" charset="0"/>
-              <a:cs typeface="Calibri" panose="020F0502020204030204" pitchFamily="34" charset="0"/>
-            </a:endParaRPr>
           </a:p>
           <a:p>
             <a:pPr algn="just"/>
@@ -13688,15 +13130,6 @@
               </a:rPr>
               <a:t>: Cost associated with the bill.</a:t>
             </a:r>
-            <a:endParaRPr lang="en-US" sz="1900" b="0" i="0" dirty="0">
-              <a:solidFill>
-                <a:schemeClr val="tx1"/>
-              </a:solidFill>
-              <a:effectLst/>
-              <a:latin typeface="Calibri" panose="020F0502020204030204" pitchFamily="34" charset="0"/>
-              <a:ea typeface="Calibri" panose="020F0502020204030204" pitchFamily="34" charset="0"/>
-              <a:cs typeface="Calibri" panose="020F0502020204030204" pitchFamily="34" charset="0"/>
-            </a:endParaRPr>
           </a:p>
           <a:p>
             <a:pPr algn="just"/>
@@ -13724,15 +13157,6 @@
               </a:rPr>
               <a:t>: Foreign key referencing the Patient table, indicating the patient to whom the bill is related.</a:t>
             </a:r>
-            <a:endParaRPr lang="en-US" sz="1900" b="0" i="0" dirty="0">
-              <a:solidFill>
-                <a:schemeClr val="tx1"/>
-              </a:solidFill>
-              <a:effectLst/>
-              <a:latin typeface="Calibri" panose="020F0502020204030204" pitchFamily="34" charset="0"/>
-              <a:ea typeface="Calibri" panose="020F0502020204030204" pitchFamily="34" charset="0"/>
-              <a:cs typeface="Calibri" panose="020F0502020204030204" pitchFamily="34" charset="0"/>
-            </a:endParaRPr>
           </a:p>
           <a:p>
             <a:pPr algn="just"/>
@@ -13777,15 +13201,6 @@
               </a:rPr>
               <a:t>Room Table</a:t>
             </a:r>
-            <a:endParaRPr lang="en-US" sz="2400" b="1" i="0" dirty="0">
-              <a:solidFill>
-                <a:schemeClr val="tx1"/>
-              </a:solidFill>
-              <a:effectLst/>
-              <a:latin typeface="Calibri" panose="020F0502020204030204" pitchFamily="34" charset="0"/>
-              <a:ea typeface="Calibri" panose="020F0502020204030204" pitchFamily="34" charset="0"/>
-              <a:cs typeface="Calibri" panose="020F0502020204030204" pitchFamily="34" charset="0"/>
-            </a:endParaRPr>
           </a:p>
           <a:p>
             <a:pPr algn="just"/>
@@ -13813,15 +13228,6 @@
               </a:rPr>
               <a:t>: Unique identifier for each room. Primary key.</a:t>
             </a:r>
-            <a:endParaRPr lang="en-US" sz="2400" b="0" i="0" dirty="0">
-              <a:solidFill>
-                <a:schemeClr val="tx1"/>
-              </a:solidFill>
-              <a:effectLst/>
-              <a:latin typeface="Calibri" panose="020F0502020204030204" pitchFamily="34" charset="0"/>
-              <a:ea typeface="Calibri" panose="020F0502020204030204" pitchFamily="34" charset="0"/>
-              <a:cs typeface="Calibri" panose="020F0502020204030204" pitchFamily="34" charset="0"/>
-            </a:endParaRPr>
           </a:p>
           <a:p>
             <a:pPr algn="just"/>
@@ -13849,15 +13255,6 @@
               </a:rPr>
               <a:t>: Foreign key referencing the Nurse table, indicating the nurse assigned to the room.</a:t>
             </a:r>
-            <a:endParaRPr lang="en-US" sz="2400" b="0" i="0" dirty="0">
-              <a:solidFill>
-                <a:schemeClr val="tx1"/>
-              </a:solidFill>
-              <a:effectLst/>
-              <a:latin typeface="Calibri" panose="020F0502020204030204" pitchFamily="34" charset="0"/>
-              <a:ea typeface="Calibri" panose="020F0502020204030204" pitchFamily="34" charset="0"/>
-              <a:cs typeface="Calibri" panose="020F0502020204030204" pitchFamily="34" charset="0"/>
-            </a:endParaRPr>
           </a:p>
           <a:p>
             <a:pPr algn="just"/>
@@ -13885,15 +13282,6 @@
               </a:rPr>
               <a:t>: Current occupancy status of the room.</a:t>
             </a:r>
-            <a:endParaRPr lang="en-US" sz="2400" b="0" i="0" dirty="0">
-              <a:solidFill>
-                <a:schemeClr val="tx1"/>
-              </a:solidFill>
-              <a:effectLst/>
-              <a:latin typeface="Calibri" panose="020F0502020204030204" pitchFamily="34" charset="0"/>
-              <a:ea typeface="Calibri" panose="020F0502020204030204" pitchFamily="34" charset="0"/>
-              <a:cs typeface="Calibri" panose="020F0502020204030204" pitchFamily="34" charset="0"/>
-            </a:endParaRPr>
           </a:p>
           <a:p>
             <a:pPr algn="just"/>
@@ -13921,15 +13309,6 @@
               </a:rPr>
               <a:t>: Precautionary measures associated with the room.</a:t>
             </a:r>
-            <a:endParaRPr lang="en-US" sz="2400" b="0" i="0" dirty="0">
-              <a:solidFill>
-                <a:schemeClr val="tx1"/>
-              </a:solidFill>
-              <a:effectLst/>
-              <a:latin typeface="Calibri" panose="020F0502020204030204" pitchFamily="34" charset="0"/>
-              <a:ea typeface="Calibri" panose="020F0502020204030204" pitchFamily="34" charset="0"/>
-              <a:cs typeface="Calibri" panose="020F0502020204030204" pitchFamily="34" charset="0"/>
-            </a:endParaRPr>
           </a:p>
           <a:p>
             <a:pPr algn="just"/>
@@ -13957,15 +13336,6 @@
               </a:rPr>
               <a:t>: Ward or department the room belongs to.</a:t>
             </a:r>
-            <a:endParaRPr lang="en-US" sz="2400" b="0" i="0" dirty="0">
-              <a:solidFill>
-                <a:schemeClr val="tx1"/>
-              </a:solidFill>
-              <a:effectLst/>
-              <a:latin typeface="Calibri" panose="020F0502020204030204" pitchFamily="34" charset="0"/>
-              <a:ea typeface="Calibri" panose="020F0502020204030204" pitchFamily="34" charset="0"/>
-              <a:cs typeface="Calibri" panose="020F0502020204030204" pitchFamily="34" charset="0"/>
-            </a:endParaRPr>
           </a:p>
           <a:p>
             <a:pPr algn="just"/>
@@ -13993,15 +13363,6 @@
               </a:rPr>
               <a:t>: Additional accommodations provided in the room.</a:t>
             </a:r>
-            <a:endParaRPr lang="en-US" sz="2400" b="0" i="0" dirty="0">
-              <a:solidFill>
-                <a:schemeClr val="tx1"/>
-              </a:solidFill>
-              <a:effectLst/>
-              <a:latin typeface="Calibri" panose="020F0502020204030204" pitchFamily="34" charset="0"/>
-              <a:ea typeface="Calibri" panose="020F0502020204030204" pitchFamily="34" charset="0"/>
-              <a:cs typeface="Calibri" panose="020F0502020204030204" pitchFamily="34" charset="0"/>
-            </a:endParaRPr>
           </a:p>
           <a:p>
             <a:pPr marL="186055" indent="0" algn="just">
@@ -14045,15 +13406,6 @@
               </a:rPr>
               <a:t> Table</a:t>
             </a:r>
-            <a:endParaRPr lang="en-US" sz="2400" b="1" i="0" dirty="0">
-              <a:solidFill>
-                <a:schemeClr val="tx1"/>
-              </a:solidFill>
-              <a:effectLst/>
-              <a:latin typeface="Calibri" panose="020F0502020204030204" pitchFamily="34" charset="0"/>
-              <a:ea typeface="Calibri" panose="020F0502020204030204" pitchFamily="34" charset="0"/>
-              <a:cs typeface="Calibri" panose="020F0502020204030204" pitchFamily="34" charset="0"/>
-            </a:endParaRPr>
           </a:p>
           <a:p>
             <a:pPr algn="just"/>
@@ -14081,15 +13433,6 @@
               </a:rPr>
               <a:t>: Name of the emergency contact person.</a:t>
             </a:r>
-            <a:endParaRPr lang="en-US" sz="2400" b="0" i="0" dirty="0">
-              <a:solidFill>
-                <a:schemeClr val="tx1"/>
-              </a:solidFill>
-              <a:effectLst/>
-              <a:latin typeface="Calibri" panose="020F0502020204030204" pitchFamily="34" charset="0"/>
-              <a:ea typeface="Calibri" panose="020F0502020204030204" pitchFamily="34" charset="0"/>
-              <a:cs typeface="Calibri" panose="020F0502020204030204" pitchFamily="34" charset="0"/>
-            </a:endParaRPr>
           </a:p>
           <a:p>
             <a:pPr algn="just"/>
@@ -14117,15 +13460,6 @@
               </a:rPr>
               <a:t>: Foreign key referencing the Patient table, indicating the patient for whom the emergency contact is registered.</a:t>
             </a:r>
-            <a:endParaRPr lang="en-US" sz="2400" b="0" i="0" dirty="0">
-              <a:solidFill>
-                <a:schemeClr val="tx1"/>
-              </a:solidFill>
-              <a:effectLst/>
-              <a:latin typeface="Calibri" panose="020F0502020204030204" pitchFamily="34" charset="0"/>
-              <a:ea typeface="Calibri" panose="020F0502020204030204" pitchFamily="34" charset="0"/>
-              <a:cs typeface="Calibri" panose="020F0502020204030204" pitchFamily="34" charset="0"/>
-            </a:endParaRPr>
           </a:p>
           <a:p>
             <a:pPr algn="just"/>
@@ -14153,15 +13487,6 @@
               </a:rPr>
               <a:t>: Address of the emergency contact.</a:t>
             </a:r>
-            <a:endParaRPr lang="en-US" sz="2400" b="0" i="0" dirty="0">
-              <a:solidFill>
-                <a:schemeClr val="tx1"/>
-              </a:solidFill>
-              <a:effectLst/>
-              <a:latin typeface="Calibri" panose="020F0502020204030204" pitchFamily="34" charset="0"/>
-              <a:ea typeface="Calibri" panose="020F0502020204030204" pitchFamily="34" charset="0"/>
-              <a:cs typeface="Calibri" panose="020F0502020204030204" pitchFamily="34" charset="0"/>
-            </a:endParaRPr>
           </a:p>
           <a:p>
             <a:pPr algn="just"/>
@@ -14189,15 +13514,6 @@
               </a:rPr>
               <a:t>: Phone number of the emergency contact.</a:t>
             </a:r>
-            <a:endParaRPr lang="en-US" sz="2400" b="0" i="0" dirty="0">
-              <a:solidFill>
-                <a:schemeClr val="tx1"/>
-              </a:solidFill>
-              <a:effectLst/>
-              <a:latin typeface="Calibri" panose="020F0502020204030204" pitchFamily="34" charset="0"/>
-              <a:ea typeface="Calibri" panose="020F0502020204030204" pitchFamily="34" charset="0"/>
-              <a:cs typeface="Calibri" panose="020F0502020204030204" pitchFamily="34" charset="0"/>
-            </a:endParaRPr>
           </a:p>
           <a:p>
             <a:pPr algn="just"/>
@@ -14225,15 +13541,6 @@
               </a:rPr>
               <a:t>: Relationship of the emergency contact with the patient.</a:t>
             </a:r>
-            <a:endParaRPr lang="en-US" sz="2400" b="0" i="0" dirty="0">
-              <a:solidFill>
-                <a:schemeClr val="tx1"/>
-              </a:solidFill>
-              <a:effectLst/>
-              <a:latin typeface="Calibri" panose="020F0502020204030204" pitchFamily="34" charset="0"/>
-              <a:ea typeface="Calibri" panose="020F0502020204030204" pitchFamily="34" charset="0"/>
-              <a:cs typeface="Calibri" panose="020F0502020204030204" pitchFamily="34" charset="0"/>
-            </a:endParaRPr>
           </a:p>
           <a:p>
             <a:pPr algn="just"/>
@@ -14318,7 +13625,7 @@
           <p:nvPr/>
         </p:nvPicPr>
         <p:blipFill rotWithShape="1">
-          <a:blip r:embed="rId1"/>
+          <a:blip r:embed="rId3"/>
           <a:srcRect t="2855" r="10423" b="52802"/>
           <a:stretch>
             <a:fillRect/>
@@ -14343,7 +13650,7 @@
           <p:nvPr/>
         </p:nvPicPr>
         <p:blipFill rotWithShape="1">
-          <a:blip r:embed="rId1"/>
+          <a:blip r:embed="rId3"/>
           <a:srcRect t="75281" r="11807" b="2252"/>
           <a:stretch>
             <a:fillRect/>
@@ -14643,6 +13950,8 @@
       </a:bgFillStyleLst>
     </a:fmtScheme>
   </a:themeElements>
+  <a:objectDefaults/>
+  <a:extraClrSchemeLst/>
   <a:extLst>
     <a:ext uri="{05A4C25C-085E-4340-85A3-A5531E510DB2}">
       <thm15:themeFamily xmlns:thm15="http://schemas.microsoft.com/office/thememl/2012/main" name="Office Theme" id="{62F939B6-93AF-4DB8-9C6B-D6C7DFDC589F}" vid="{4A3C46E8-61CC-4603-A589-7422A47A8E4A}"/>
@@ -14902,6 +14211,8 @@
       </a:bgFillStyleLst>
     </a:fmtScheme>
   </a:themeElements>
+  <a:objectDefaults/>
+  <a:extraClrSchemeLst/>
   <a:extLst>
     <a:ext uri="{05A4C25C-085E-4340-85A3-A5531E510DB2}">
       <thm15:themeFamily xmlns:thm15="http://schemas.microsoft.com/office/thememl/2012/main" name="Office Theme" id="{62F939B6-93AF-4DB8-9C6B-D6C7DFDC589F}" vid="{4A3C46E8-61CC-4603-A589-7422A47A8E4A}"/>
